--- a/assets/Buffer_HostEvents_Slide2.pptx
+++ b/assets/Buffer_HostEvents_Slide2.pptx
@@ -2,7 +2,7 @@
 <file path=ppt/presentation.xml><?xml version="1.0" encoding="utf-8"?>
 <p:presentation xmlns:a="http://schemas.openxmlformats.org/drawingml/2006/main" xmlns:r="http://schemas.openxmlformats.org/officeDocument/2006/relationships" xmlns:p="http://schemas.openxmlformats.org/presentationml/2006/main" saveSubsetFonts="1">
   <p:sldMasterIdLst>
-    <p:sldMasterId id="2147483660" r:id="rId1"/>
+    <p:sldMasterId id="2147483672" r:id="rId1"/>
   </p:sldMasterIdLst>
   <p:sldIdLst>
     <p:sldId id="270" r:id="rId2"/>
@@ -11,7 +11,7 @@
     <p:sldId id="273" r:id="rId5"/>
     <p:sldId id="274" r:id="rId6"/>
   </p:sldIdLst>
-  <p:sldSz cx="12192000" cy="8686800"/>
+  <p:sldSz cx="12192000" cy="9236075"/>
   <p:notesSz cx="6858000" cy="9144000"/>
   <p:defaultTextStyle>
     <a:defPPr>
@@ -145,15 +145,15 @@
         </p:nvSpPr>
         <p:spPr>
           <a:xfrm>
-            <a:off x="914400" y="1421660"/>
-            <a:ext cx="10363200" cy="3024293"/>
+            <a:off x="914400" y="1511553"/>
+            <a:ext cx="10363200" cy="3215522"/>
           </a:xfrm>
         </p:spPr>
         <p:txBody>
           <a:bodyPr anchor="b"/>
           <a:lstStyle>
             <a:lvl1pPr algn="ctr">
-              <a:defRPr sz="7600"/>
+              <a:defRPr sz="8000"/>
             </a:lvl1pPr>
           </a:lstStyle>
           <a:p>
@@ -177,8 +177,8 @@
         </p:nvSpPr>
         <p:spPr>
           <a:xfrm>
-            <a:off x="1524000" y="4562583"/>
-            <a:ext cx="9144000" cy="2097299"/>
+            <a:off x="1524000" y="4851078"/>
+            <a:ext cx="9144000" cy="2229913"/>
           </a:xfrm>
         </p:spPr>
         <p:txBody>
@@ -186,39 +186,39 @@
           <a:lstStyle>
             <a:lvl1pPr marL="0" indent="0" algn="ctr">
               <a:buNone/>
-              <a:defRPr sz="3040"/>
+              <a:defRPr sz="3200"/>
             </a:lvl1pPr>
-            <a:lvl2pPr marL="579087" indent="0" algn="ctr">
+            <a:lvl2pPr marL="609585" indent="0" algn="ctr">
               <a:buNone/>
-              <a:defRPr sz="2532"/>
+              <a:defRPr sz="2667"/>
             </a:lvl2pPr>
-            <a:lvl3pPr marL="1158173" indent="0" algn="ctr">
+            <a:lvl3pPr marL="1219170" indent="0" algn="ctr">
               <a:buNone/>
-              <a:defRPr sz="2280"/>
+              <a:defRPr sz="2400"/>
             </a:lvl3pPr>
-            <a:lvl4pPr marL="1737261" indent="0" algn="ctr">
+            <a:lvl4pPr marL="1828754" indent="0" algn="ctr">
               <a:buNone/>
-              <a:defRPr sz="2027"/>
+              <a:defRPr sz="2133"/>
             </a:lvl4pPr>
-            <a:lvl5pPr marL="2316348" indent="0" algn="ctr">
+            <a:lvl5pPr marL="2438339" indent="0" algn="ctr">
               <a:buNone/>
-              <a:defRPr sz="2027"/>
+              <a:defRPr sz="2133"/>
             </a:lvl5pPr>
-            <a:lvl6pPr marL="2895434" indent="0" algn="ctr">
+            <a:lvl6pPr marL="3047924" indent="0" algn="ctr">
               <a:buNone/>
-              <a:defRPr sz="2027"/>
+              <a:defRPr sz="2133"/>
             </a:lvl6pPr>
-            <a:lvl7pPr marL="3474521" indent="0" algn="ctr">
+            <a:lvl7pPr marL="3657509" indent="0" algn="ctr">
               <a:buNone/>
-              <a:defRPr sz="2027"/>
+              <a:defRPr sz="2133"/>
             </a:lvl7pPr>
-            <a:lvl8pPr marL="4053609" indent="0" algn="ctr">
+            <a:lvl8pPr marL="4267093" indent="0" algn="ctr">
               <a:buNone/>
-              <a:defRPr sz="2027"/>
+              <a:defRPr sz="2133"/>
             </a:lvl8pPr>
-            <a:lvl9pPr marL="4632696" indent="0" algn="ctr">
+            <a:lvl9pPr marL="4876678" indent="0" algn="ctr">
               <a:buNone/>
-              <a:defRPr sz="2027"/>
+              <a:defRPr sz="2133"/>
             </a:lvl9pPr>
           </a:lstStyle>
           <a:p>
@@ -298,7 +298,7 @@
     </p:spTree>
     <p:extLst>
       <p:ext uri="{BB962C8B-B14F-4D97-AF65-F5344CB8AC3E}">
-        <p14:creationId xmlns:p14="http://schemas.microsoft.com/office/powerpoint/2010/main" val="3379568465"/>
+        <p14:creationId xmlns:p14="http://schemas.microsoft.com/office/powerpoint/2010/main" val="1467866804"/>
       </p:ext>
     </p:extLst>
   </p:cSld>
@@ -468,7 +468,7 @@
     </p:spTree>
     <p:extLst>
       <p:ext uri="{BB962C8B-B14F-4D97-AF65-F5344CB8AC3E}">
-        <p14:creationId xmlns:p14="http://schemas.microsoft.com/office/powerpoint/2010/main" val="1486425583"/>
+        <p14:creationId xmlns:p14="http://schemas.microsoft.com/office/powerpoint/2010/main" val="1390547215"/>
       </p:ext>
     </p:extLst>
   </p:cSld>
@@ -507,8 +507,8 @@
         </p:nvSpPr>
         <p:spPr>
           <a:xfrm>
-            <a:off x="8724901" y="462493"/>
-            <a:ext cx="2628900" cy="7361661"/>
+            <a:off x="8724901" y="491735"/>
+            <a:ext cx="2628900" cy="7827147"/>
           </a:xfrm>
         </p:spPr>
         <p:txBody>
@@ -535,8 +535,8 @@
         </p:nvSpPr>
         <p:spPr>
           <a:xfrm>
-            <a:off x="838201" y="462493"/>
-            <a:ext cx="7734300" cy="7361661"/>
+            <a:off x="838201" y="491735"/>
+            <a:ext cx="7734300" cy="7827147"/>
           </a:xfrm>
         </p:spPr>
         <p:txBody>
@@ -648,7 +648,7 @@
     </p:spTree>
     <p:extLst>
       <p:ext uri="{BB962C8B-B14F-4D97-AF65-F5344CB8AC3E}">
-        <p14:creationId xmlns:p14="http://schemas.microsoft.com/office/powerpoint/2010/main" val="1045527060"/>
+        <p14:creationId xmlns:p14="http://schemas.microsoft.com/office/powerpoint/2010/main" val="3351631973"/>
       </p:ext>
     </p:extLst>
   </p:cSld>
@@ -818,7 +818,7 @@
     </p:spTree>
     <p:extLst>
       <p:ext uri="{BB962C8B-B14F-4D97-AF65-F5344CB8AC3E}">
-        <p14:creationId xmlns:p14="http://schemas.microsoft.com/office/powerpoint/2010/main" val="3071601900"/>
+        <p14:creationId xmlns:p14="http://schemas.microsoft.com/office/powerpoint/2010/main" val="4014398210"/>
       </p:ext>
     </p:extLst>
   </p:cSld>
@@ -857,15 +857,15 @@
         </p:nvSpPr>
         <p:spPr>
           <a:xfrm>
-            <a:off x="831851" y="2165670"/>
-            <a:ext cx="10515600" cy="3613467"/>
+            <a:off x="831851" y="2302607"/>
+            <a:ext cx="10515600" cy="3841950"/>
           </a:xfrm>
         </p:spPr>
         <p:txBody>
           <a:bodyPr anchor="b"/>
           <a:lstStyle>
             <a:lvl1pPr>
-              <a:defRPr sz="7600"/>
+              <a:defRPr sz="8000"/>
             </a:lvl1pPr>
           </a:lstStyle>
           <a:p>
@@ -889,8 +889,8 @@
         </p:nvSpPr>
         <p:spPr>
           <a:xfrm>
-            <a:off x="831851" y="5813323"/>
-            <a:ext cx="10515600" cy="1900237"/>
+            <a:off x="831851" y="6180904"/>
+            <a:ext cx="10515600" cy="2020391"/>
           </a:xfrm>
         </p:spPr>
         <p:txBody>
@@ -898,15 +898,15 @@
           <a:lstStyle>
             <a:lvl1pPr marL="0" indent="0">
               <a:buNone/>
-              <a:defRPr sz="3040">
+              <a:defRPr sz="3200">
                 <a:solidFill>
                   <a:schemeClr val="tx1"/>
                 </a:solidFill>
               </a:defRPr>
             </a:lvl1pPr>
-            <a:lvl2pPr marL="579087" indent="0">
+            <a:lvl2pPr marL="609585" indent="0">
               <a:buNone/>
-              <a:defRPr sz="2532">
+              <a:defRPr sz="2667">
                 <a:solidFill>
                   <a:schemeClr val="tx1">
                     <a:tint val="75000"/>
@@ -914,9 +914,9 @@
                 </a:solidFill>
               </a:defRPr>
             </a:lvl2pPr>
-            <a:lvl3pPr marL="1158173" indent="0">
+            <a:lvl3pPr marL="1219170" indent="0">
               <a:buNone/>
-              <a:defRPr sz="2280">
+              <a:defRPr sz="2400">
                 <a:solidFill>
                   <a:schemeClr val="tx1">
                     <a:tint val="75000"/>
@@ -924,9 +924,9 @@
                 </a:solidFill>
               </a:defRPr>
             </a:lvl3pPr>
-            <a:lvl4pPr marL="1737261" indent="0">
+            <a:lvl4pPr marL="1828754" indent="0">
               <a:buNone/>
-              <a:defRPr sz="2027">
+              <a:defRPr sz="2133">
                 <a:solidFill>
                   <a:schemeClr val="tx1">
                     <a:tint val="75000"/>
@@ -934,9 +934,9 @@
                 </a:solidFill>
               </a:defRPr>
             </a:lvl4pPr>
-            <a:lvl5pPr marL="2316348" indent="0">
+            <a:lvl5pPr marL="2438339" indent="0">
               <a:buNone/>
-              <a:defRPr sz="2027">
+              <a:defRPr sz="2133">
                 <a:solidFill>
                   <a:schemeClr val="tx1">
                     <a:tint val="75000"/>
@@ -944,9 +944,9 @@
                 </a:solidFill>
               </a:defRPr>
             </a:lvl5pPr>
-            <a:lvl6pPr marL="2895434" indent="0">
+            <a:lvl6pPr marL="3047924" indent="0">
               <a:buNone/>
-              <a:defRPr sz="2027">
+              <a:defRPr sz="2133">
                 <a:solidFill>
                   <a:schemeClr val="tx1">
                     <a:tint val="75000"/>
@@ -954,9 +954,9 @@
                 </a:solidFill>
               </a:defRPr>
             </a:lvl6pPr>
-            <a:lvl7pPr marL="3474521" indent="0">
+            <a:lvl7pPr marL="3657509" indent="0">
               <a:buNone/>
-              <a:defRPr sz="2027">
+              <a:defRPr sz="2133">
                 <a:solidFill>
                   <a:schemeClr val="tx1">
                     <a:tint val="75000"/>
@@ -964,9 +964,9 @@
                 </a:solidFill>
               </a:defRPr>
             </a:lvl7pPr>
-            <a:lvl8pPr marL="4053609" indent="0">
+            <a:lvl8pPr marL="4267093" indent="0">
               <a:buNone/>
-              <a:defRPr sz="2027">
+              <a:defRPr sz="2133">
                 <a:solidFill>
                   <a:schemeClr val="tx1">
                     <a:tint val="75000"/>
@@ -974,9 +974,9 @@
                 </a:solidFill>
               </a:defRPr>
             </a:lvl8pPr>
-            <a:lvl9pPr marL="4632696" indent="0">
+            <a:lvl9pPr marL="4876678" indent="0">
               <a:buNone/>
-              <a:defRPr sz="2027">
+              <a:defRPr sz="2133">
                 <a:solidFill>
                   <a:schemeClr val="tx1">
                     <a:tint val="75000"/>
@@ -1062,7 +1062,7 @@
     </p:spTree>
     <p:extLst>
       <p:ext uri="{BB962C8B-B14F-4D97-AF65-F5344CB8AC3E}">
-        <p14:creationId xmlns:p14="http://schemas.microsoft.com/office/powerpoint/2010/main" val="2331765437"/>
+        <p14:creationId xmlns:p14="http://schemas.microsoft.com/office/powerpoint/2010/main" val="3829747766"/>
       </p:ext>
     </p:extLst>
   </p:cSld>
@@ -1124,8 +1124,8 @@
         </p:nvSpPr>
         <p:spPr>
           <a:xfrm>
-            <a:off x="838200" y="2312460"/>
-            <a:ext cx="5181600" cy="5511695"/>
+            <a:off x="838200" y="2458677"/>
+            <a:ext cx="5181600" cy="5860205"/>
           </a:xfrm>
         </p:spPr>
         <p:txBody>
@@ -1181,8 +1181,8 @@
         </p:nvSpPr>
         <p:spPr>
           <a:xfrm>
-            <a:off x="6172200" y="2312460"/>
-            <a:ext cx="5181600" cy="5511695"/>
+            <a:off x="6172200" y="2458677"/>
+            <a:ext cx="5181600" cy="5860205"/>
           </a:xfrm>
         </p:spPr>
         <p:txBody>
@@ -1294,7 +1294,7 @@
     </p:spTree>
     <p:extLst>
       <p:ext uri="{BB962C8B-B14F-4D97-AF65-F5344CB8AC3E}">
-        <p14:creationId xmlns:p14="http://schemas.microsoft.com/office/powerpoint/2010/main" val="3792755655"/>
+        <p14:creationId xmlns:p14="http://schemas.microsoft.com/office/powerpoint/2010/main" val="4226550838"/>
       </p:ext>
     </p:extLst>
   </p:cSld>
@@ -1333,8 +1333,8 @@
         </p:nvSpPr>
         <p:spPr>
           <a:xfrm>
-            <a:off x="839788" y="462494"/>
-            <a:ext cx="10515600" cy="1679046"/>
+            <a:off x="839788" y="491738"/>
+            <a:ext cx="10515600" cy="1785214"/>
           </a:xfrm>
         </p:spPr>
         <p:txBody>
@@ -1361,8 +1361,8 @@
         </p:nvSpPr>
         <p:spPr>
           <a:xfrm>
-            <a:off x="839791" y="2129474"/>
-            <a:ext cx="5157787" cy="1043622"/>
+            <a:off x="839789" y="2264122"/>
+            <a:ext cx="5157787" cy="1109611"/>
           </a:xfrm>
         </p:spPr>
         <p:txBody>
@@ -1370,39 +1370,39 @@
           <a:lstStyle>
             <a:lvl1pPr marL="0" indent="0">
               <a:buNone/>
-              <a:defRPr sz="3040" b="1"/>
+              <a:defRPr sz="3200" b="1"/>
             </a:lvl1pPr>
-            <a:lvl2pPr marL="579087" indent="0">
+            <a:lvl2pPr marL="609585" indent="0">
               <a:buNone/>
-              <a:defRPr sz="2532" b="1"/>
+              <a:defRPr sz="2667" b="1"/>
             </a:lvl2pPr>
-            <a:lvl3pPr marL="1158173" indent="0">
+            <a:lvl3pPr marL="1219170" indent="0">
               <a:buNone/>
-              <a:defRPr sz="2280" b="1"/>
+              <a:defRPr sz="2400" b="1"/>
             </a:lvl3pPr>
-            <a:lvl4pPr marL="1737261" indent="0">
+            <a:lvl4pPr marL="1828754" indent="0">
               <a:buNone/>
-              <a:defRPr sz="2027" b="1"/>
+              <a:defRPr sz="2133" b="1"/>
             </a:lvl4pPr>
-            <a:lvl5pPr marL="2316348" indent="0">
+            <a:lvl5pPr marL="2438339" indent="0">
               <a:buNone/>
-              <a:defRPr sz="2027" b="1"/>
+              <a:defRPr sz="2133" b="1"/>
             </a:lvl5pPr>
-            <a:lvl6pPr marL="2895434" indent="0">
+            <a:lvl6pPr marL="3047924" indent="0">
               <a:buNone/>
-              <a:defRPr sz="2027" b="1"/>
+              <a:defRPr sz="2133" b="1"/>
             </a:lvl6pPr>
-            <a:lvl7pPr marL="3474521" indent="0">
+            <a:lvl7pPr marL="3657509" indent="0">
               <a:buNone/>
-              <a:defRPr sz="2027" b="1"/>
+              <a:defRPr sz="2133" b="1"/>
             </a:lvl7pPr>
-            <a:lvl8pPr marL="4053609" indent="0">
+            <a:lvl8pPr marL="4267093" indent="0">
               <a:buNone/>
-              <a:defRPr sz="2027" b="1"/>
+              <a:defRPr sz="2133" b="1"/>
             </a:lvl8pPr>
-            <a:lvl9pPr marL="4632696" indent="0">
+            <a:lvl9pPr marL="4876678" indent="0">
               <a:buNone/>
-              <a:defRPr sz="2027" b="1"/>
+              <a:defRPr sz="2133" b="1"/>
             </a:lvl9pPr>
           </a:lstStyle>
           <a:p>
@@ -1426,8 +1426,8 @@
         </p:nvSpPr>
         <p:spPr>
           <a:xfrm>
-            <a:off x="839791" y="3173096"/>
-            <a:ext cx="5157787" cy="4667145"/>
+            <a:off x="839789" y="3373733"/>
+            <a:ext cx="5157787" cy="4962253"/>
           </a:xfrm>
         </p:spPr>
         <p:txBody>
@@ -1483,8 +1483,8 @@
         </p:nvSpPr>
         <p:spPr>
           <a:xfrm>
-            <a:off x="6172201" y="2129474"/>
-            <a:ext cx="5183188" cy="1043622"/>
+            <a:off x="6172201" y="2264122"/>
+            <a:ext cx="5183188" cy="1109611"/>
           </a:xfrm>
         </p:spPr>
         <p:txBody>
@@ -1492,39 +1492,39 @@
           <a:lstStyle>
             <a:lvl1pPr marL="0" indent="0">
               <a:buNone/>
-              <a:defRPr sz="3040" b="1"/>
+              <a:defRPr sz="3200" b="1"/>
             </a:lvl1pPr>
-            <a:lvl2pPr marL="579087" indent="0">
+            <a:lvl2pPr marL="609585" indent="0">
               <a:buNone/>
-              <a:defRPr sz="2532" b="1"/>
+              <a:defRPr sz="2667" b="1"/>
             </a:lvl2pPr>
-            <a:lvl3pPr marL="1158173" indent="0">
+            <a:lvl3pPr marL="1219170" indent="0">
               <a:buNone/>
-              <a:defRPr sz="2280" b="1"/>
+              <a:defRPr sz="2400" b="1"/>
             </a:lvl3pPr>
-            <a:lvl4pPr marL="1737261" indent="0">
+            <a:lvl4pPr marL="1828754" indent="0">
               <a:buNone/>
-              <a:defRPr sz="2027" b="1"/>
+              <a:defRPr sz="2133" b="1"/>
             </a:lvl4pPr>
-            <a:lvl5pPr marL="2316348" indent="0">
+            <a:lvl5pPr marL="2438339" indent="0">
               <a:buNone/>
-              <a:defRPr sz="2027" b="1"/>
+              <a:defRPr sz="2133" b="1"/>
             </a:lvl5pPr>
-            <a:lvl6pPr marL="2895434" indent="0">
+            <a:lvl6pPr marL="3047924" indent="0">
               <a:buNone/>
-              <a:defRPr sz="2027" b="1"/>
+              <a:defRPr sz="2133" b="1"/>
             </a:lvl6pPr>
-            <a:lvl7pPr marL="3474521" indent="0">
+            <a:lvl7pPr marL="3657509" indent="0">
               <a:buNone/>
-              <a:defRPr sz="2027" b="1"/>
+              <a:defRPr sz="2133" b="1"/>
             </a:lvl7pPr>
-            <a:lvl8pPr marL="4053609" indent="0">
+            <a:lvl8pPr marL="4267093" indent="0">
               <a:buNone/>
-              <a:defRPr sz="2027" b="1"/>
+              <a:defRPr sz="2133" b="1"/>
             </a:lvl8pPr>
-            <a:lvl9pPr marL="4632696" indent="0">
+            <a:lvl9pPr marL="4876678" indent="0">
               <a:buNone/>
-              <a:defRPr sz="2027" b="1"/>
+              <a:defRPr sz="2133" b="1"/>
             </a:lvl9pPr>
           </a:lstStyle>
           <a:p>
@@ -1548,8 +1548,8 @@
         </p:nvSpPr>
         <p:spPr>
           <a:xfrm>
-            <a:off x="6172201" y="3173096"/>
-            <a:ext cx="5183188" cy="4667145"/>
+            <a:off x="6172201" y="3373733"/>
+            <a:ext cx="5183188" cy="4962253"/>
           </a:xfrm>
         </p:spPr>
         <p:txBody>
@@ -1661,7 +1661,7 @@
     </p:spTree>
     <p:extLst>
       <p:ext uri="{BB962C8B-B14F-4D97-AF65-F5344CB8AC3E}">
-        <p14:creationId xmlns:p14="http://schemas.microsoft.com/office/powerpoint/2010/main" val="2121148166"/>
+        <p14:creationId xmlns:p14="http://schemas.microsoft.com/office/powerpoint/2010/main" val="3995377142"/>
       </p:ext>
     </p:extLst>
   </p:cSld>
@@ -1779,7 +1779,7 @@
     </p:spTree>
     <p:extLst>
       <p:ext uri="{BB962C8B-B14F-4D97-AF65-F5344CB8AC3E}">
-        <p14:creationId xmlns:p14="http://schemas.microsoft.com/office/powerpoint/2010/main" val="3796794838"/>
+        <p14:creationId xmlns:p14="http://schemas.microsoft.com/office/powerpoint/2010/main" val="2944409227"/>
       </p:ext>
     </p:extLst>
   </p:cSld>
@@ -1874,7 +1874,7 @@
     </p:spTree>
     <p:extLst>
       <p:ext uri="{BB962C8B-B14F-4D97-AF65-F5344CB8AC3E}">
-        <p14:creationId xmlns:p14="http://schemas.microsoft.com/office/powerpoint/2010/main" val="702732732"/>
+        <p14:creationId xmlns:p14="http://schemas.microsoft.com/office/powerpoint/2010/main" val="2504730343"/>
       </p:ext>
     </p:extLst>
   </p:cSld>
@@ -1913,15 +1913,15 @@
         </p:nvSpPr>
         <p:spPr>
           <a:xfrm>
-            <a:off x="839790" y="579120"/>
-            <a:ext cx="3932237" cy="2026920"/>
+            <a:off x="839788" y="615738"/>
+            <a:ext cx="3932237" cy="2155084"/>
           </a:xfrm>
         </p:spPr>
         <p:txBody>
           <a:bodyPr anchor="b"/>
           <a:lstStyle>
             <a:lvl1pPr>
-              <a:defRPr sz="4052"/>
+              <a:defRPr sz="4267"/>
             </a:lvl1pPr>
           </a:lstStyle>
           <a:p>
@@ -1945,39 +1945,39 @@
         </p:nvSpPr>
         <p:spPr>
           <a:xfrm>
-            <a:off x="5183188" y="1250740"/>
-            <a:ext cx="6172200" cy="6173258"/>
+            <a:off x="5183188" y="1329826"/>
+            <a:ext cx="6172200" cy="6563600"/>
           </a:xfrm>
         </p:spPr>
         <p:txBody>
           <a:bodyPr/>
           <a:lstStyle>
             <a:lvl1pPr>
-              <a:defRPr sz="4052"/>
+              <a:defRPr sz="4267"/>
             </a:lvl1pPr>
             <a:lvl2pPr>
-              <a:defRPr sz="3547"/>
+              <a:defRPr sz="3733"/>
             </a:lvl2pPr>
             <a:lvl3pPr>
-              <a:defRPr sz="3040"/>
+              <a:defRPr sz="3200"/>
             </a:lvl3pPr>
             <a:lvl4pPr>
-              <a:defRPr sz="2532"/>
+              <a:defRPr sz="2667"/>
             </a:lvl4pPr>
             <a:lvl5pPr>
-              <a:defRPr sz="2532"/>
+              <a:defRPr sz="2667"/>
             </a:lvl5pPr>
             <a:lvl6pPr>
-              <a:defRPr sz="2532"/>
+              <a:defRPr sz="2667"/>
             </a:lvl6pPr>
             <a:lvl7pPr>
-              <a:defRPr sz="2532"/>
+              <a:defRPr sz="2667"/>
             </a:lvl7pPr>
             <a:lvl8pPr>
-              <a:defRPr sz="2532"/>
+              <a:defRPr sz="2667"/>
             </a:lvl8pPr>
             <a:lvl9pPr>
-              <a:defRPr sz="2532"/>
+              <a:defRPr sz="2667"/>
             </a:lvl9pPr>
           </a:lstStyle>
           <a:p>
@@ -2030,8 +2030,8 @@
         </p:nvSpPr>
         <p:spPr>
           <a:xfrm>
-            <a:off x="839790" y="2606042"/>
-            <a:ext cx="3932237" cy="4828011"/>
+            <a:off x="839788" y="2770823"/>
+            <a:ext cx="3932237" cy="5133291"/>
           </a:xfrm>
         </p:spPr>
         <p:txBody>
@@ -2039,39 +2039,39 @@
           <a:lstStyle>
             <a:lvl1pPr marL="0" indent="0">
               <a:buNone/>
-              <a:defRPr sz="2027"/>
+              <a:defRPr sz="2133"/>
             </a:lvl1pPr>
-            <a:lvl2pPr marL="579087" indent="0">
+            <a:lvl2pPr marL="609585" indent="0">
               <a:buNone/>
-              <a:defRPr sz="1773"/>
+              <a:defRPr sz="1867"/>
             </a:lvl2pPr>
-            <a:lvl3pPr marL="1158173" indent="0">
+            <a:lvl3pPr marL="1219170" indent="0">
               <a:buNone/>
-              <a:defRPr sz="1520"/>
+              <a:defRPr sz="1600"/>
             </a:lvl3pPr>
-            <a:lvl4pPr marL="1737261" indent="0">
+            <a:lvl4pPr marL="1828754" indent="0">
               <a:buNone/>
-              <a:defRPr sz="1267"/>
+              <a:defRPr sz="1333"/>
             </a:lvl4pPr>
-            <a:lvl5pPr marL="2316348" indent="0">
+            <a:lvl5pPr marL="2438339" indent="0">
               <a:buNone/>
-              <a:defRPr sz="1267"/>
+              <a:defRPr sz="1333"/>
             </a:lvl5pPr>
-            <a:lvl6pPr marL="2895434" indent="0">
+            <a:lvl6pPr marL="3047924" indent="0">
               <a:buNone/>
-              <a:defRPr sz="1267"/>
+              <a:defRPr sz="1333"/>
             </a:lvl6pPr>
-            <a:lvl7pPr marL="3474521" indent="0">
+            <a:lvl7pPr marL="3657509" indent="0">
               <a:buNone/>
-              <a:defRPr sz="1267"/>
+              <a:defRPr sz="1333"/>
             </a:lvl7pPr>
-            <a:lvl8pPr marL="4053609" indent="0">
+            <a:lvl8pPr marL="4267093" indent="0">
               <a:buNone/>
-              <a:defRPr sz="1267"/>
+              <a:defRPr sz="1333"/>
             </a:lvl8pPr>
-            <a:lvl9pPr marL="4632696" indent="0">
+            <a:lvl9pPr marL="4876678" indent="0">
               <a:buNone/>
-              <a:defRPr sz="1267"/>
+              <a:defRPr sz="1333"/>
             </a:lvl9pPr>
           </a:lstStyle>
           <a:p>
@@ -2151,7 +2151,7 @@
     </p:spTree>
     <p:extLst>
       <p:ext uri="{BB962C8B-B14F-4D97-AF65-F5344CB8AC3E}">
-        <p14:creationId xmlns:p14="http://schemas.microsoft.com/office/powerpoint/2010/main" val="2720718739"/>
+        <p14:creationId xmlns:p14="http://schemas.microsoft.com/office/powerpoint/2010/main" val="1714628502"/>
       </p:ext>
     </p:extLst>
   </p:cSld>
@@ -2190,15 +2190,15 @@
         </p:nvSpPr>
         <p:spPr>
           <a:xfrm>
-            <a:off x="839790" y="579120"/>
-            <a:ext cx="3932237" cy="2026920"/>
+            <a:off x="839788" y="615738"/>
+            <a:ext cx="3932237" cy="2155084"/>
           </a:xfrm>
         </p:spPr>
         <p:txBody>
           <a:bodyPr anchor="b"/>
           <a:lstStyle>
             <a:lvl1pPr>
-              <a:defRPr sz="4052"/>
+              <a:defRPr sz="4267"/>
             </a:lvl1pPr>
           </a:lstStyle>
           <a:p>
@@ -2222,8 +2222,8 @@
         </p:nvSpPr>
         <p:spPr>
           <a:xfrm>
-            <a:off x="5183188" y="1250740"/>
-            <a:ext cx="6172200" cy="6173258"/>
+            <a:off x="5183188" y="1329826"/>
+            <a:ext cx="6172200" cy="6563600"/>
           </a:xfrm>
         </p:spPr>
         <p:txBody>
@@ -2231,39 +2231,39 @@
           <a:lstStyle>
             <a:lvl1pPr marL="0" indent="0">
               <a:buNone/>
-              <a:defRPr sz="4052"/>
+              <a:defRPr sz="4267"/>
             </a:lvl1pPr>
-            <a:lvl2pPr marL="579087" indent="0">
+            <a:lvl2pPr marL="609585" indent="0">
               <a:buNone/>
-              <a:defRPr sz="3547"/>
+              <a:defRPr sz="3733"/>
             </a:lvl2pPr>
-            <a:lvl3pPr marL="1158173" indent="0">
+            <a:lvl3pPr marL="1219170" indent="0">
               <a:buNone/>
-              <a:defRPr sz="3040"/>
+              <a:defRPr sz="3200"/>
             </a:lvl3pPr>
-            <a:lvl4pPr marL="1737261" indent="0">
+            <a:lvl4pPr marL="1828754" indent="0">
               <a:buNone/>
-              <a:defRPr sz="2532"/>
+              <a:defRPr sz="2667"/>
             </a:lvl4pPr>
-            <a:lvl5pPr marL="2316348" indent="0">
+            <a:lvl5pPr marL="2438339" indent="0">
               <a:buNone/>
-              <a:defRPr sz="2532"/>
+              <a:defRPr sz="2667"/>
             </a:lvl5pPr>
-            <a:lvl6pPr marL="2895434" indent="0">
+            <a:lvl6pPr marL="3047924" indent="0">
               <a:buNone/>
-              <a:defRPr sz="2532"/>
+              <a:defRPr sz="2667"/>
             </a:lvl6pPr>
-            <a:lvl7pPr marL="3474521" indent="0">
+            <a:lvl7pPr marL="3657509" indent="0">
               <a:buNone/>
-              <a:defRPr sz="2532"/>
+              <a:defRPr sz="2667"/>
             </a:lvl7pPr>
-            <a:lvl8pPr marL="4053609" indent="0">
+            <a:lvl8pPr marL="4267093" indent="0">
               <a:buNone/>
-              <a:defRPr sz="2532"/>
+              <a:defRPr sz="2667"/>
             </a:lvl8pPr>
-            <a:lvl9pPr marL="4632696" indent="0">
+            <a:lvl9pPr marL="4876678" indent="0">
               <a:buNone/>
-              <a:defRPr sz="2532"/>
+              <a:defRPr sz="2667"/>
             </a:lvl9pPr>
           </a:lstStyle>
           <a:p>
@@ -2287,8 +2287,8 @@
         </p:nvSpPr>
         <p:spPr>
           <a:xfrm>
-            <a:off x="839790" y="2606042"/>
-            <a:ext cx="3932237" cy="4828011"/>
+            <a:off x="839788" y="2770823"/>
+            <a:ext cx="3932237" cy="5133291"/>
           </a:xfrm>
         </p:spPr>
         <p:txBody>
@@ -2296,39 +2296,39 @@
           <a:lstStyle>
             <a:lvl1pPr marL="0" indent="0">
               <a:buNone/>
-              <a:defRPr sz="2027"/>
+              <a:defRPr sz="2133"/>
             </a:lvl1pPr>
-            <a:lvl2pPr marL="579087" indent="0">
+            <a:lvl2pPr marL="609585" indent="0">
               <a:buNone/>
-              <a:defRPr sz="1773"/>
+              <a:defRPr sz="1867"/>
             </a:lvl2pPr>
-            <a:lvl3pPr marL="1158173" indent="0">
+            <a:lvl3pPr marL="1219170" indent="0">
               <a:buNone/>
-              <a:defRPr sz="1520"/>
+              <a:defRPr sz="1600"/>
             </a:lvl3pPr>
-            <a:lvl4pPr marL="1737261" indent="0">
+            <a:lvl4pPr marL="1828754" indent="0">
               <a:buNone/>
-              <a:defRPr sz="1267"/>
+              <a:defRPr sz="1333"/>
             </a:lvl4pPr>
-            <a:lvl5pPr marL="2316348" indent="0">
+            <a:lvl5pPr marL="2438339" indent="0">
               <a:buNone/>
-              <a:defRPr sz="1267"/>
+              <a:defRPr sz="1333"/>
             </a:lvl5pPr>
-            <a:lvl6pPr marL="2895434" indent="0">
+            <a:lvl6pPr marL="3047924" indent="0">
               <a:buNone/>
-              <a:defRPr sz="1267"/>
+              <a:defRPr sz="1333"/>
             </a:lvl6pPr>
-            <a:lvl7pPr marL="3474521" indent="0">
+            <a:lvl7pPr marL="3657509" indent="0">
               <a:buNone/>
-              <a:defRPr sz="1267"/>
+              <a:defRPr sz="1333"/>
             </a:lvl7pPr>
-            <a:lvl8pPr marL="4053609" indent="0">
+            <a:lvl8pPr marL="4267093" indent="0">
               <a:buNone/>
-              <a:defRPr sz="1267"/>
+              <a:defRPr sz="1333"/>
             </a:lvl8pPr>
-            <a:lvl9pPr marL="4632696" indent="0">
+            <a:lvl9pPr marL="4876678" indent="0">
               <a:buNone/>
-              <a:defRPr sz="1267"/>
+              <a:defRPr sz="1333"/>
             </a:lvl9pPr>
           </a:lstStyle>
           <a:p>
@@ -2408,7 +2408,7 @@
     </p:spTree>
     <p:extLst>
       <p:ext uri="{BB962C8B-B14F-4D97-AF65-F5344CB8AC3E}">
-        <p14:creationId xmlns:p14="http://schemas.microsoft.com/office/powerpoint/2010/main" val="3954142513"/>
+        <p14:creationId xmlns:p14="http://schemas.microsoft.com/office/powerpoint/2010/main" val="291903830"/>
       </p:ext>
     </p:extLst>
   </p:cSld>
@@ -2452,8 +2452,8 @@
         </p:nvSpPr>
         <p:spPr>
           <a:xfrm>
-            <a:off x="838200" y="462494"/>
-            <a:ext cx="10515600" cy="1679046"/>
+            <a:off x="838200" y="491738"/>
+            <a:ext cx="10515600" cy="1785214"/>
           </a:xfrm>
           <a:prstGeom prst="rect">
             <a:avLst/>
@@ -2485,8 +2485,8 @@
         </p:nvSpPr>
         <p:spPr>
           <a:xfrm>
-            <a:off x="838200" y="2312460"/>
-            <a:ext cx="10515600" cy="5511695"/>
+            <a:off x="838200" y="2458677"/>
+            <a:ext cx="10515600" cy="5860205"/>
           </a:xfrm>
           <a:prstGeom prst="rect">
             <a:avLst/>
@@ -2547,8 +2547,8 @@
         </p:nvSpPr>
         <p:spPr>
           <a:xfrm>
-            <a:off x="838200" y="8051378"/>
-            <a:ext cx="2743200" cy="462492"/>
+            <a:off x="838200" y="8560475"/>
+            <a:ext cx="2743200" cy="491735"/>
           </a:xfrm>
           <a:prstGeom prst="rect">
             <a:avLst/>
@@ -2558,7 +2558,7 @@
           <a:bodyPr vert="horz" lIns="91440" tIns="45720" rIns="91440" bIns="45720" rtlCol="0" anchor="ctr"/>
           <a:lstStyle>
             <a:lvl1pPr algn="l">
-              <a:defRPr sz="1520">
+              <a:defRPr sz="1600">
                 <a:solidFill>
                   <a:schemeClr val="tx1">
                     <a:tint val="75000"/>
@@ -2588,8 +2588,8 @@
         </p:nvSpPr>
         <p:spPr>
           <a:xfrm>
-            <a:off x="4038600" y="8051378"/>
-            <a:ext cx="4114800" cy="462492"/>
+            <a:off x="4038600" y="8560475"/>
+            <a:ext cx="4114800" cy="491735"/>
           </a:xfrm>
           <a:prstGeom prst="rect">
             <a:avLst/>
@@ -2599,7 +2599,7 @@
           <a:bodyPr vert="horz" lIns="91440" tIns="45720" rIns="91440" bIns="45720" rtlCol="0" anchor="ctr"/>
           <a:lstStyle>
             <a:lvl1pPr algn="ctr">
-              <a:defRPr sz="1520">
+              <a:defRPr sz="1600">
                 <a:solidFill>
                   <a:schemeClr val="tx1">
                     <a:tint val="75000"/>
@@ -2625,8 +2625,8 @@
         </p:nvSpPr>
         <p:spPr>
           <a:xfrm>
-            <a:off x="8610600" y="8051378"/>
-            <a:ext cx="2743200" cy="462492"/>
+            <a:off x="8610600" y="8560475"/>
+            <a:ext cx="2743200" cy="491735"/>
           </a:xfrm>
           <a:prstGeom prst="rect">
             <a:avLst/>
@@ -2636,7 +2636,7 @@
           <a:bodyPr vert="horz" lIns="91440" tIns="45720" rIns="91440" bIns="45720" rtlCol="0" anchor="ctr"/>
           <a:lstStyle>
             <a:lvl1pPr algn="r">
-              <a:defRPr sz="1520">
+              <a:defRPr sz="1600">
                 <a:solidFill>
                   <a:schemeClr val="tx1">
                     <a:tint val="75000"/>
@@ -2657,27 +2657,27 @@
     </p:spTree>
     <p:extLst>
       <p:ext uri="{BB962C8B-B14F-4D97-AF65-F5344CB8AC3E}">
-        <p14:creationId xmlns:p14="http://schemas.microsoft.com/office/powerpoint/2010/main" val="3796539846"/>
+        <p14:creationId xmlns:p14="http://schemas.microsoft.com/office/powerpoint/2010/main" val="2858180707"/>
       </p:ext>
     </p:extLst>
   </p:cSld>
   <p:clrMap bg1="lt1" tx1="dk1" bg2="lt2" tx2="dk2" accent1="accent1" accent2="accent2" accent3="accent3" accent4="accent4" accent5="accent5" accent6="accent6" hlink="hlink" folHlink="folHlink"/>
   <p:sldLayoutIdLst>
-    <p:sldLayoutId id="2147483661" r:id="rId1"/>
-    <p:sldLayoutId id="2147483662" r:id="rId2"/>
-    <p:sldLayoutId id="2147483663" r:id="rId3"/>
-    <p:sldLayoutId id="2147483664" r:id="rId4"/>
-    <p:sldLayoutId id="2147483665" r:id="rId5"/>
-    <p:sldLayoutId id="2147483666" r:id="rId6"/>
-    <p:sldLayoutId id="2147483667" r:id="rId7"/>
-    <p:sldLayoutId id="2147483668" r:id="rId8"/>
-    <p:sldLayoutId id="2147483669" r:id="rId9"/>
-    <p:sldLayoutId id="2147483670" r:id="rId10"/>
-    <p:sldLayoutId id="2147483671" r:id="rId11"/>
+    <p:sldLayoutId id="2147483673" r:id="rId1"/>
+    <p:sldLayoutId id="2147483674" r:id="rId2"/>
+    <p:sldLayoutId id="2147483675" r:id="rId3"/>
+    <p:sldLayoutId id="2147483676" r:id="rId4"/>
+    <p:sldLayoutId id="2147483677" r:id="rId5"/>
+    <p:sldLayoutId id="2147483678" r:id="rId6"/>
+    <p:sldLayoutId id="2147483679" r:id="rId7"/>
+    <p:sldLayoutId id="2147483680" r:id="rId8"/>
+    <p:sldLayoutId id="2147483681" r:id="rId9"/>
+    <p:sldLayoutId id="2147483682" r:id="rId10"/>
+    <p:sldLayoutId id="2147483683" r:id="rId11"/>
   </p:sldLayoutIdLst>
   <p:txStyles>
     <p:titleStyle>
-      <a:lvl1pPr algn="l" defTabSz="1158173" rtl="0" eaLnBrk="1" latinLnBrk="0" hangingPunct="1">
+      <a:lvl1pPr algn="l" defTabSz="1219170" rtl="0" eaLnBrk="1" latinLnBrk="0" hangingPunct="1">
         <a:lnSpc>
           <a:spcPct val="90000"/>
         </a:lnSpc>
@@ -2685,7 +2685,7 @@
           <a:spcPct val="0"/>
         </a:spcBef>
         <a:buNone/>
-        <a:defRPr sz="5572" kern="1200">
+        <a:defRPr sz="5867" kern="1200">
           <a:solidFill>
             <a:schemeClr val="tx1"/>
           </a:solidFill>
@@ -2696,16 +2696,16 @@
       </a:lvl1pPr>
     </p:titleStyle>
     <p:bodyStyle>
-      <a:lvl1pPr marL="289543" indent="-289543" algn="l" defTabSz="1158173" rtl="0" eaLnBrk="1" latinLnBrk="0" hangingPunct="1">
+      <a:lvl1pPr marL="304792" indent="-304792" algn="l" defTabSz="1219170" rtl="0" eaLnBrk="1" latinLnBrk="0" hangingPunct="1">
         <a:lnSpc>
           <a:spcPct val="90000"/>
         </a:lnSpc>
         <a:spcBef>
-          <a:spcPts val="1267"/>
+          <a:spcPts val="1333"/>
         </a:spcBef>
         <a:buFont typeface="Arial" panose="020B0604020202020204" pitchFamily="34" charset="0"/>
         <a:buChar char="•"/>
-        <a:defRPr sz="3547" kern="1200">
+        <a:defRPr sz="3733" kern="1200">
           <a:solidFill>
             <a:schemeClr val="tx1"/>
           </a:solidFill>
@@ -2714,16 +2714,16 @@
           <a:cs typeface="+mn-cs"/>
         </a:defRPr>
       </a:lvl1pPr>
-      <a:lvl2pPr marL="868631" indent="-289543" algn="l" defTabSz="1158173" rtl="0" eaLnBrk="1" latinLnBrk="0" hangingPunct="1">
+      <a:lvl2pPr marL="914377" indent="-304792" algn="l" defTabSz="1219170" rtl="0" eaLnBrk="1" latinLnBrk="0" hangingPunct="1">
         <a:lnSpc>
           <a:spcPct val="90000"/>
         </a:lnSpc>
         <a:spcBef>
-          <a:spcPts val="633"/>
+          <a:spcPts val="667"/>
         </a:spcBef>
         <a:buFont typeface="Arial" panose="020B0604020202020204" pitchFamily="34" charset="0"/>
         <a:buChar char="•"/>
-        <a:defRPr sz="3040" kern="1200">
+        <a:defRPr sz="3200" kern="1200">
           <a:solidFill>
             <a:schemeClr val="tx1"/>
           </a:solidFill>
@@ -2732,16 +2732,16 @@
           <a:cs typeface="+mn-cs"/>
         </a:defRPr>
       </a:lvl2pPr>
-      <a:lvl3pPr marL="1447718" indent="-289543" algn="l" defTabSz="1158173" rtl="0" eaLnBrk="1" latinLnBrk="0" hangingPunct="1">
+      <a:lvl3pPr marL="1523962" indent="-304792" algn="l" defTabSz="1219170" rtl="0" eaLnBrk="1" latinLnBrk="0" hangingPunct="1">
         <a:lnSpc>
           <a:spcPct val="90000"/>
         </a:lnSpc>
         <a:spcBef>
-          <a:spcPts val="633"/>
+          <a:spcPts val="667"/>
         </a:spcBef>
         <a:buFont typeface="Arial" panose="020B0604020202020204" pitchFamily="34" charset="0"/>
         <a:buChar char="•"/>
-        <a:defRPr sz="2532" kern="1200">
+        <a:defRPr sz="2667" kern="1200">
           <a:solidFill>
             <a:schemeClr val="tx1"/>
           </a:solidFill>
@@ -2750,16 +2750,16 @@
           <a:cs typeface="+mn-cs"/>
         </a:defRPr>
       </a:lvl3pPr>
-      <a:lvl4pPr marL="2026804" indent="-289543" algn="l" defTabSz="1158173" rtl="0" eaLnBrk="1" latinLnBrk="0" hangingPunct="1">
+      <a:lvl4pPr marL="2133547" indent="-304792" algn="l" defTabSz="1219170" rtl="0" eaLnBrk="1" latinLnBrk="0" hangingPunct="1">
         <a:lnSpc>
           <a:spcPct val="90000"/>
         </a:lnSpc>
         <a:spcBef>
-          <a:spcPts val="633"/>
+          <a:spcPts val="667"/>
         </a:spcBef>
         <a:buFont typeface="Arial" panose="020B0604020202020204" pitchFamily="34" charset="0"/>
         <a:buChar char="•"/>
-        <a:defRPr sz="2280" kern="1200">
+        <a:defRPr sz="2400" kern="1200">
           <a:solidFill>
             <a:schemeClr val="tx1"/>
           </a:solidFill>
@@ -2768,16 +2768,16 @@
           <a:cs typeface="+mn-cs"/>
         </a:defRPr>
       </a:lvl4pPr>
-      <a:lvl5pPr marL="2605892" indent="-289543" algn="l" defTabSz="1158173" rtl="0" eaLnBrk="1" latinLnBrk="0" hangingPunct="1">
+      <a:lvl5pPr marL="2743131" indent="-304792" algn="l" defTabSz="1219170" rtl="0" eaLnBrk="1" latinLnBrk="0" hangingPunct="1">
         <a:lnSpc>
           <a:spcPct val="90000"/>
         </a:lnSpc>
         <a:spcBef>
-          <a:spcPts val="633"/>
+          <a:spcPts val="667"/>
         </a:spcBef>
         <a:buFont typeface="Arial" panose="020B0604020202020204" pitchFamily="34" charset="0"/>
         <a:buChar char="•"/>
-        <a:defRPr sz="2280" kern="1200">
+        <a:defRPr sz="2400" kern="1200">
           <a:solidFill>
             <a:schemeClr val="tx1"/>
           </a:solidFill>
@@ -2786,16 +2786,16 @@
           <a:cs typeface="+mn-cs"/>
         </a:defRPr>
       </a:lvl5pPr>
-      <a:lvl6pPr marL="3184979" indent="-289543" algn="l" defTabSz="1158173" rtl="0" eaLnBrk="1" latinLnBrk="0" hangingPunct="1">
+      <a:lvl6pPr marL="3352716" indent="-304792" algn="l" defTabSz="1219170" rtl="0" eaLnBrk="1" latinLnBrk="0" hangingPunct="1">
         <a:lnSpc>
           <a:spcPct val="90000"/>
         </a:lnSpc>
         <a:spcBef>
-          <a:spcPts val="633"/>
+          <a:spcPts val="667"/>
         </a:spcBef>
         <a:buFont typeface="Arial" panose="020B0604020202020204" pitchFamily="34" charset="0"/>
         <a:buChar char="•"/>
-        <a:defRPr sz="2280" kern="1200">
+        <a:defRPr sz="2400" kern="1200">
           <a:solidFill>
             <a:schemeClr val="tx1"/>
           </a:solidFill>
@@ -2804,16 +2804,16 @@
           <a:cs typeface="+mn-cs"/>
         </a:defRPr>
       </a:lvl6pPr>
-      <a:lvl7pPr marL="3764066" indent="-289543" algn="l" defTabSz="1158173" rtl="0" eaLnBrk="1" latinLnBrk="0" hangingPunct="1">
+      <a:lvl7pPr marL="3962301" indent="-304792" algn="l" defTabSz="1219170" rtl="0" eaLnBrk="1" latinLnBrk="0" hangingPunct="1">
         <a:lnSpc>
           <a:spcPct val="90000"/>
         </a:lnSpc>
         <a:spcBef>
-          <a:spcPts val="633"/>
+          <a:spcPts val="667"/>
         </a:spcBef>
         <a:buFont typeface="Arial" panose="020B0604020202020204" pitchFamily="34" charset="0"/>
         <a:buChar char="•"/>
-        <a:defRPr sz="2280" kern="1200">
+        <a:defRPr sz="2400" kern="1200">
           <a:solidFill>
             <a:schemeClr val="tx1"/>
           </a:solidFill>
@@ -2822,16 +2822,16 @@
           <a:cs typeface="+mn-cs"/>
         </a:defRPr>
       </a:lvl7pPr>
-      <a:lvl8pPr marL="4343152" indent="-289543" algn="l" defTabSz="1158173" rtl="0" eaLnBrk="1" latinLnBrk="0" hangingPunct="1">
+      <a:lvl8pPr marL="4571886" indent="-304792" algn="l" defTabSz="1219170" rtl="0" eaLnBrk="1" latinLnBrk="0" hangingPunct="1">
         <a:lnSpc>
           <a:spcPct val="90000"/>
         </a:lnSpc>
         <a:spcBef>
-          <a:spcPts val="633"/>
+          <a:spcPts val="667"/>
         </a:spcBef>
         <a:buFont typeface="Arial" panose="020B0604020202020204" pitchFamily="34" charset="0"/>
         <a:buChar char="•"/>
-        <a:defRPr sz="2280" kern="1200">
+        <a:defRPr sz="2400" kern="1200">
           <a:solidFill>
             <a:schemeClr val="tx1"/>
           </a:solidFill>
@@ -2840,16 +2840,16 @@
           <a:cs typeface="+mn-cs"/>
         </a:defRPr>
       </a:lvl8pPr>
-      <a:lvl9pPr marL="4922240" indent="-289543" algn="l" defTabSz="1158173" rtl="0" eaLnBrk="1" latinLnBrk="0" hangingPunct="1">
+      <a:lvl9pPr marL="5181470" indent="-304792" algn="l" defTabSz="1219170" rtl="0" eaLnBrk="1" latinLnBrk="0" hangingPunct="1">
         <a:lnSpc>
           <a:spcPct val="90000"/>
         </a:lnSpc>
         <a:spcBef>
-          <a:spcPts val="633"/>
+          <a:spcPts val="667"/>
         </a:spcBef>
         <a:buFont typeface="Arial" panose="020B0604020202020204" pitchFamily="34" charset="0"/>
         <a:buChar char="•"/>
-        <a:defRPr sz="2280" kern="1200">
+        <a:defRPr sz="2400" kern="1200">
           <a:solidFill>
             <a:schemeClr val="tx1"/>
           </a:solidFill>
@@ -2863,8 +2863,8 @@
       <a:defPPr>
         <a:defRPr lang="en-US"/>
       </a:defPPr>
-      <a:lvl1pPr marL="0" algn="l" defTabSz="1158173" rtl="0" eaLnBrk="1" latinLnBrk="0" hangingPunct="1">
-        <a:defRPr sz="2280" kern="1200">
+      <a:lvl1pPr marL="0" algn="l" defTabSz="1219170" rtl="0" eaLnBrk="1" latinLnBrk="0" hangingPunct="1">
+        <a:defRPr sz="2400" kern="1200">
           <a:solidFill>
             <a:schemeClr val="tx1"/>
           </a:solidFill>
@@ -2873,8 +2873,8 @@
           <a:cs typeface="+mn-cs"/>
         </a:defRPr>
       </a:lvl1pPr>
-      <a:lvl2pPr marL="579087" algn="l" defTabSz="1158173" rtl="0" eaLnBrk="1" latinLnBrk="0" hangingPunct="1">
-        <a:defRPr sz="2280" kern="1200">
+      <a:lvl2pPr marL="609585" algn="l" defTabSz="1219170" rtl="0" eaLnBrk="1" latinLnBrk="0" hangingPunct="1">
+        <a:defRPr sz="2400" kern="1200">
           <a:solidFill>
             <a:schemeClr val="tx1"/>
           </a:solidFill>
@@ -2883,8 +2883,8 @@
           <a:cs typeface="+mn-cs"/>
         </a:defRPr>
       </a:lvl2pPr>
-      <a:lvl3pPr marL="1158173" algn="l" defTabSz="1158173" rtl="0" eaLnBrk="1" latinLnBrk="0" hangingPunct="1">
-        <a:defRPr sz="2280" kern="1200">
+      <a:lvl3pPr marL="1219170" algn="l" defTabSz="1219170" rtl="0" eaLnBrk="1" latinLnBrk="0" hangingPunct="1">
+        <a:defRPr sz="2400" kern="1200">
           <a:solidFill>
             <a:schemeClr val="tx1"/>
           </a:solidFill>
@@ -2893,8 +2893,8 @@
           <a:cs typeface="+mn-cs"/>
         </a:defRPr>
       </a:lvl3pPr>
-      <a:lvl4pPr marL="1737261" algn="l" defTabSz="1158173" rtl="0" eaLnBrk="1" latinLnBrk="0" hangingPunct="1">
-        <a:defRPr sz="2280" kern="1200">
+      <a:lvl4pPr marL="1828754" algn="l" defTabSz="1219170" rtl="0" eaLnBrk="1" latinLnBrk="0" hangingPunct="1">
+        <a:defRPr sz="2400" kern="1200">
           <a:solidFill>
             <a:schemeClr val="tx1"/>
           </a:solidFill>
@@ -2903,8 +2903,8 @@
           <a:cs typeface="+mn-cs"/>
         </a:defRPr>
       </a:lvl4pPr>
-      <a:lvl5pPr marL="2316348" algn="l" defTabSz="1158173" rtl="0" eaLnBrk="1" latinLnBrk="0" hangingPunct="1">
-        <a:defRPr sz="2280" kern="1200">
+      <a:lvl5pPr marL="2438339" algn="l" defTabSz="1219170" rtl="0" eaLnBrk="1" latinLnBrk="0" hangingPunct="1">
+        <a:defRPr sz="2400" kern="1200">
           <a:solidFill>
             <a:schemeClr val="tx1"/>
           </a:solidFill>
@@ -2913,8 +2913,8 @@
           <a:cs typeface="+mn-cs"/>
         </a:defRPr>
       </a:lvl5pPr>
-      <a:lvl6pPr marL="2895434" algn="l" defTabSz="1158173" rtl="0" eaLnBrk="1" latinLnBrk="0" hangingPunct="1">
-        <a:defRPr sz="2280" kern="1200">
+      <a:lvl6pPr marL="3047924" algn="l" defTabSz="1219170" rtl="0" eaLnBrk="1" latinLnBrk="0" hangingPunct="1">
+        <a:defRPr sz="2400" kern="1200">
           <a:solidFill>
             <a:schemeClr val="tx1"/>
           </a:solidFill>
@@ -2923,8 +2923,8 @@
           <a:cs typeface="+mn-cs"/>
         </a:defRPr>
       </a:lvl6pPr>
-      <a:lvl7pPr marL="3474521" algn="l" defTabSz="1158173" rtl="0" eaLnBrk="1" latinLnBrk="0" hangingPunct="1">
-        <a:defRPr sz="2280" kern="1200">
+      <a:lvl7pPr marL="3657509" algn="l" defTabSz="1219170" rtl="0" eaLnBrk="1" latinLnBrk="0" hangingPunct="1">
+        <a:defRPr sz="2400" kern="1200">
           <a:solidFill>
             <a:schemeClr val="tx1"/>
           </a:solidFill>
@@ -2933,8 +2933,8 @@
           <a:cs typeface="+mn-cs"/>
         </a:defRPr>
       </a:lvl7pPr>
-      <a:lvl8pPr marL="4053609" algn="l" defTabSz="1158173" rtl="0" eaLnBrk="1" latinLnBrk="0" hangingPunct="1">
-        <a:defRPr sz="2280" kern="1200">
+      <a:lvl8pPr marL="4267093" algn="l" defTabSz="1219170" rtl="0" eaLnBrk="1" latinLnBrk="0" hangingPunct="1">
+        <a:defRPr sz="2400" kern="1200">
           <a:solidFill>
             <a:schemeClr val="tx1"/>
           </a:solidFill>
@@ -2943,8 +2943,8 @@
           <a:cs typeface="+mn-cs"/>
         </a:defRPr>
       </a:lvl8pPr>
-      <a:lvl9pPr marL="4632696" algn="l" defTabSz="1158173" rtl="0" eaLnBrk="1" latinLnBrk="0" hangingPunct="1">
-        <a:defRPr sz="2280" kern="1200">
+      <a:lvl9pPr marL="4876678" algn="l" defTabSz="1219170" rtl="0" eaLnBrk="1" latinLnBrk="0" hangingPunct="1">
+        <a:defRPr sz="2400" kern="1200">
           <a:solidFill>
             <a:schemeClr val="tx1"/>
           </a:solidFill>
@@ -2991,7 +2991,7 @@
         </p:nvCxnSpPr>
         <p:spPr>
           <a:xfrm flipH="1" flipV="1">
-            <a:off x="7277090" y="1422659"/>
+            <a:off x="7277091" y="476480"/>
             <a:ext cx="61809" cy="6154634"/>
           </a:xfrm>
           <a:prstGeom prst="line">
@@ -3035,7 +3035,7 @@
         </p:nvCxnSpPr>
         <p:spPr>
           <a:xfrm flipH="1" flipV="1">
-            <a:off x="7670906" y="1475977"/>
+            <a:off x="7670906" y="529799"/>
             <a:ext cx="44046" cy="6575577"/>
           </a:xfrm>
           <a:prstGeom prst="line">
@@ -3077,7 +3077,7 @@
         </p:nvGrpSpPr>
         <p:grpSpPr>
           <a:xfrm>
-            <a:off x="4711397" y="1489529"/>
+            <a:off x="4711398" y="543350"/>
             <a:ext cx="1381383" cy="1900006"/>
             <a:chOff x="4687527" y="978423"/>
             <a:chExt cx="1381383" cy="1900006"/>
@@ -3187,7 +3187,7 @@
         </p:nvGrpSpPr>
         <p:grpSpPr>
           <a:xfrm>
-            <a:off x="6175788" y="1489532"/>
+            <a:off x="6175789" y="543353"/>
             <a:ext cx="1381383" cy="1900004"/>
             <a:chOff x="6151919" y="978424"/>
             <a:chExt cx="1381383" cy="1900005"/>
@@ -3292,7 +3292,7 @@
         </p:nvGrpSpPr>
         <p:grpSpPr>
           <a:xfrm>
-            <a:off x="7669008" y="1489531"/>
+            <a:off x="7669009" y="543352"/>
             <a:ext cx="1381383" cy="1900004"/>
             <a:chOff x="7645140" y="978423"/>
             <a:chExt cx="1381383" cy="1900005"/>
@@ -3402,7 +3402,7 @@
         </p:nvGrpSpPr>
         <p:grpSpPr>
           <a:xfrm>
-            <a:off x="260559" y="1489532"/>
+            <a:off x="260560" y="543354"/>
             <a:ext cx="1381383" cy="1900007"/>
             <a:chOff x="236693" y="978427"/>
             <a:chExt cx="1381383" cy="1900007"/>
@@ -3546,7 +3546,7 @@
         </p:nvGrpSpPr>
         <p:grpSpPr>
           <a:xfrm>
-            <a:off x="3247001" y="1489530"/>
+            <a:off x="3247001" y="543352"/>
             <a:ext cx="1396100" cy="1900007"/>
             <a:chOff x="3223136" y="978422"/>
             <a:chExt cx="1396100" cy="1900007"/>
@@ -3685,7 +3685,7 @@
         </p:nvGrpSpPr>
         <p:grpSpPr>
           <a:xfrm>
-            <a:off x="10597791" y="1489531"/>
+            <a:off x="10597792" y="543352"/>
             <a:ext cx="1381383" cy="1900004"/>
             <a:chOff x="10573923" y="978423"/>
             <a:chExt cx="1381383" cy="1900005"/>
@@ -3824,7 +3824,7 @@
         </p:nvGrpSpPr>
         <p:grpSpPr>
           <a:xfrm>
-            <a:off x="1753783" y="1489531"/>
+            <a:off x="1753784" y="543353"/>
             <a:ext cx="1381383" cy="1900007"/>
             <a:chOff x="1729914" y="978424"/>
             <a:chExt cx="1381383" cy="1900007"/>
@@ -3963,7 +3963,7 @@
         </p:nvGrpSpPr>
         <p:grpSpPr>
           <a:xfrm>
-            <a:off x="9133401" y="1489531"/>
+            <a:off x="9133402" y="543352"/>
             <a:ext cx="1381383" cy="1900004"/>
             <a:chOff x="9109531" y="978423"/>
             <a:chExt cx="1381383" cy="1900005"/>
@@ -4073,7 +4073,7 @@
         </p:nvSpPr>
         <p:spPr>
           <a:xfrm>
-            <a:off x="3460856" y="2342813"/>
+            <a:off x="3460856" y="1396635"/>
             <a:ext cx="6862568" cy="311945"/>
           </a:xfrm>
           <a:prstGeom prst="rect">
@@ -4146,7 +4146,7 @@
         </p:nvSpPr>
         <p:spPr>
           <a:xfrm>
-            <a:off x="3907709" y="2735968"/>
+            <a:off x="3907709" y="1789789"/>
             <a:ext cx="2489756" cy="265928"/>
           </a:xfrm>
           <a:prstGeom prst="rect">
@@ -4219,7 +4219,7 @@
         </p:nvCxnSpPr>
         <p:spPr>
           <a:xfrm flipV="1">
-            <a:off x="1753777" y="1246678"/>
+            <a:off x="1753777" y="300500"/>
             <a:ext cx="0" cy="109839"/>
           </a:xfrm>
           <a:prstGeom prst="line">
@@ -4255,7 +4255,7 @@
         </p:nvCxnSpPr>
         <p:spPr>
           <a:xfrm flipV="1">
-            <a:off x="3241796" y="1246678"/>
+            <a:off x="3241796" y="300500"/>
             <a:ext cx="0" cy="109839"/>
           </a:xfrm>
           <a:prstGeom prst="line">
@@ -4291,7 +4291,7 @@
         </p:nvCxnSpPr>
         <p:spPr>
           <a:xfrm flipV="1">
-            <a:off x="4700315" y="1248220"/>
+            <a:off x="4700315" y="302042"/>
             <a:ext cx="0" cy="109839"/>
           </a:xfrm>
           <a:prstGeom prst="line">
@@ -4327,7 +4327,7 @@
         </p:nvCxnSpPr>
         <p:spPr>
           <a:xfrm flipV="1">
-            <a:off x="6175783" y="1248220"/>
+            <a:off x="6175783" y="302042"/>
             <a:ext cx="0" cy="109839"/>
           </a:xfrm>
           <a:prstGeom prst="line">
@@ -4363,7 +4363,7 @@
         </p:nvCxnSpPr>
         <p:spPr>
           <a:xfrm flipV="1">
-            <a:off x="7667772" y="1248220"/>
+            <a:off x="7667772" y="302042"/>
             <a:ext cx="0" cy="109839"/>
           </a:xfrm>
           <a:prstGeom prst="line">
@@ -4399,7 +4399,7 @@
         </p:nvCxnSpPr>
         <p:spPr>
           <a:xfrm flipV="1">
-            <a:off x="9133396" y="1248220"/>
+            <a:off x="9133396" y="302042"/>
             <a:ext cx="0" cy="109839"/>
           </a:xfrm>
           <a:prstGeom prst="line">
@@ -4442,7 +4442,7 @@
         </p:blipFill>
         <p:spPr>
           <a:xfrm>
-            <a:off x="4157717" y="1949416"/>
+            <a:off x="4157717" y="1003237"/>
             <a:ext cx="473132" cy="267106"/>
           </a:xfrm>
           <a:prstGeom prst="rect">
@@ -4466,7 +4466,7 @@
         </p:nvCxnSpPr>
         <p:spPr>
           <a:xfrm>
-            <a:off x="1753785" y="1241180"/>
+            <a:off x="1753786" y="295001"/>
             <a:ext cx="7379619" cy="0"/>
           </a:xfrm>
           <a:prstGeom prst="line">
@@ -4507,7 +4507,7 @@
         </p:nvCxnSpPr>
         <p:spPr>
           <a:xfrm flipV="1">
-            <a:off x="1753777" y="1246678"/>
+            <a:off x="1753777" y="300500"/>
             <a:ext cx="0" cy="109839"/>
           </a:xfrm>
           <a:prstGeom prst="line">
@@ -4543,7 +4543,7 @@
         </p:nvCxnSpPr>
         <p:spPr>
           <a:xfrm flipV="1">
-            <a:off x="3241796" y="1246678"/>
+            <a:off x="3241796" y="300500"/>
             <a:ext cx="0" cy="109839"/>
           </a:xfrm>
           <a:prstGeom prst="line">
@@ -4579,7 +4579,7 @@
         </p:nvCxnSpPr>
         <p:spPr>
           <a:xfrm flipV="1">
-            <a:off x="4700315" y="1248220"/>
+            <a:off x="4700315" y="302042"/>
             <a:ext cx="0" cy="109839"/>
           </a:xfrm>
           <a:prstGeom prst="line">
@@ -4615,7 +4615,7 @@
         </p:nvCxnSpPr>
         <p:spPr>
           <a:xfrm flipV="1">
-            <a:off x="6175783" y="1248220"/>
+            <a:off x="6175783" y="302042"/>
             <a:ext cx="0" cy="109839"/>
           </a:xfrm>
           <a:prstGeom prst="line">
@@ -4651,7 +4651,7 @@
         </p:nvCxnSpPr>
         <p:spPr>
           <a:xfrm flipV="1">
-            <a:off x="7667772" y="1248220"/>
+            <a:off x="7667772" y="302042"/>
             <a:ext cx="0" cy="109839"/>
           </a:xfrm>
           <a:prstGeom prst="line">
@@ -4687,7 +4687,7 @@
         </p:nvCxnSpPr>
         <p:spPr>
           <a:xfrm flipV="1">
-            <a:off x="9133396" y="1248220"/>
+            <a:off x="9133396" y="302042"/>
             <a:ext cx="0" cy="109839"/>
           </a:xfrm>
           <a:prstGeom prst="line">
@@ -4730,7 +4730,7 @@
         </p:blipFill>
         <p:spPr>
           <a:xfrm>
-            <a:off x="1748578" y="1241184"/>
+            <a:off x="1748578" y="295006"/>
             <a:ext cx="152400" cy="171773"/>
           </a:xfrm>
           <a:prstGeom prst="rect">
@@ -4754,7 +4754,7 @@
         </p:nvCxnSpPr>
         <p:spPr>
           <a:xfrm>
-            <a:off x="1753785" y="1241180"/>
+            <a:off x="1753786" y="295001"/>
             <a:ext cx="7379619" cy="0"/>
           </a:xfrm>
           <a:prstGeom prst="line">
@@ -4795,7 +4795,7 @@
         </p:nvCxnSpPr>
         <p:spPr>
           <a:xfrm flipV="1">
-            <a:off x="1753777" y="1246678"/>
+            <a:off x="1753777" y="300500"/>
             <a:ext cx="0" cy="109839"/>
           </a:xfrm>
           <a:prstGeom prst="line">
@@ -4831,7 +4831,7 @@
         </p:nvCxnSpPr>
         <p:spPr>
           <a:xfrm flipV="1">
-            <a:off x="3241796" y="1246678"/>
+            <a:off x="3241796" y="300500"/>
             <a:ext cx="0" cy="109839"/>
           </a:xfrm>
           <a:prstGeom prst="line">
@@ -4867,7 +4867,7 @@
         </p:nvCxnSpPr>
         <p:spPr>
           <a:xfrm flipV="1">
-            <a:off x="4700315" y="1248220"/>
+            <a:off x="4700315" y="302042"/>
             <a:ext cx="0" cy="109839"/>
           </a:xfrm>
           <a:prstGeom prst="line">
@@ -4903,7 +4903,7 @@
         </p:nvCxnSpPr>
         <p:spPr>
           <a:xfrm flipV="1">
-            <a:off x="6175783" y="1248220"/>
+            <a:off x="6175783" y="302042"/>
             <a:ext cx="0" cy="109839"/>
           </a:xfrm>
           <a:prstGeom prst="line">
@@ -4939,7 +4939,7 @@
         </p:nvCxnSpPr>
         <p:spPr>
           <a:xfrm flipV="1">
-            <a:off x="7667772" y="1248220"/>
+            <a:off x="7667772" y="302042"/>
             <a:ext cx="0" cy="109839"/>
           </a:xfrm>
           <a:prstGeom prst="line">
@@ -4975,7 +4975,7 @@
         </p:nvCxnSpPr>
         <p:spPr>
           <a:xfrm flipV="1">
-            <a:off x="9133396" y="1248220"/>
+            <a:off x="9133396" y="302042"/>
             <a:ext cx="0" cy="109839"/>
           </a:xfrm>
           <a:prstGeom prst="line">
@@ -5018,7 +5018,7 @@
         </p:blipFill>
         <p:spPr>
           <a:xfrm>
-            <a:off x="1596178" y="1241184"/>
+            <a:off x="1596178" y="295006"/>
             <a:ext cx="152400" cy="171773"/>
           </a:xfrm>
           <a:prstGeom prst="rect">
@@ -5047,7 +5047,7 @@
         </p:blipFill>
         <p:spPr>
           <a:xfrm>
-            <a:off x="1783278" y="1250886"/>
+            <a:off x="1783278" y="304708"/>
             <a:ext cx="152400" cy="171773"/>
           </a:xfrm>
           <a:prstGeom prst="rect">
@@ -5076,7 +5076,7 @@
         </p:blipFill>
         <p:spPr>
           <a:xfrm>
-            <a:off x="3271297" y="1241184"/>
+            <a:off x="3271297" y="295006"/>
             <a:ext cx="152400" cy="171773"/>
           </a:xfrm>
           <a:prstGeom prst="rect">
@@ -5105,7 +5105,7 @@
         </p:blipFill>
         <p:spPr>
           <a:xfrm>
-            <a:off x="4707734" y="1241184"/>
+            <a:off x="4707734" y="295006"/>
             <a:ext cx="152400" cy="171773"/>
           </a:xfrm>
           <a:prstGeom prst="rect">
@@ -5134,7 +5134,7 @@
         </p:blipFill>
         <p:spPr>
           <a:xfrm>
-            <a:off x="6187754" y="1241184"/>
+            <a:off x="6187754" y="295006"/>
             <a:ext cx="152400" cy="171773"/>
           </a:xfrm>
           <a:prstGeom prst="rect">
@@ -5163,7 +5163,7 @@
         </p:blipFill>
         <p:spPr>
           <a:xfrm>
-            <a:off x="7684109" y="1241184"/>
+            <a:off x="7684109" y="295006"/>
             <a:ext cx="152400" cy="171773"/>
           </a:xfrm>
           <a:prstGeom prst="rect">
@@ -5192,7 +5192,7 @@
         </p:blipFill>
         <p:spPr>
           <a:xfrm>
-            <a:off x="8964661" y="1241184"/>
+            <a:off x="8964661" y="295006"/>
             <a:ext cx="152400" cy="171773"/>
           </a:xfrm>
           <a:prstGeom prst="rect">
@@ -5221,7 +5221,7 @@
         </p:blipFill>
         <p:spPr>
           <a:xfrm>
-            <a:off x="9162896" y="1241183"/>
+            <a:off x="9162896" y="295005"/>
             <a:ext cx="152400" cy="171773"/>
           </a:xfrm>
           <a:prstGeom prst="rect">
@@ -5245,7 +5245,7 @@
         </p:nvCxnSpPr>
         <p:spPr>
           <a:xfrm flipV="1">
-            <a:off x="9115518" y="1241184"/>
+            <a:off x="9115518" y="295006"/>
             <a:ext cx="0" cy="2148357"/>
           </a:xfrm>
           <a:prstGeom prst="line">
@@ -5287,7 +5287,7 @@
         </p:nvSpPr>
         <p:spPr>
           <a:xfrm>
-            <a:off x="1768533" y="3447678"/>
+            <a:off x="1768533" y="2501499"/>
             <a:ext cx="1381380" cy="407676"/>
           </a:xfrm>
           <a:prstGeom prst="rect">
@@ -5356,7 +5356,7 @@
         </p:nvCxnSpPr>
         <p:spPr>
           <a:xfrm flipH="1" flipV="1">
-            <a:off x="1760132" y="1365570"/>
+            <a:off x="1760133" y="419391"/>
             <a:ext cx="8401" cy="2937054"/>
           </a:xfrm>
           <a:prstGeom prst="line">
@@ -5400,7 +5400,7 @@
         </p:nvCxnSpPr>
         <p:spPr>
           <a:xfrm flipH="1" flipV="1">
-            <a:off x="3234521" y="1327074"/>
+            <a:off x="3234522" y="380896"/>
             <a:ext cx="31093" cy="4217355"/>
           </a:xfrm>
           <a:prstGeom prst="line">
@@ -5442,7 +5442,7 @@
         </p:nvSpPr>
         <p:spPr>
           <a:xfrm>
-            <a:off x="3283712" y="4195434"/>
+            <a:off x="3283713" y="3249255"/>
             <a:ext cx="1381383" cy="407676"/>
           </a:xfrm>
           <a:prstGeom prst="rect">
@@ -5509,7 +5509,7 @@
         </p:nvSpPr>
         <p:spPr>
           <a:xfrm>
-            <a:off x="3287161" y="4674613"/>
+            <a:off x="3287162" y="3728434"/>
             <a:ext cx="1381383" cy="407676"/>
           </a:xfrm>
           <a:prstGeom prst="rect">
@@ -5568,7 +5568,7 @@
         </p:nvSpPr>
         <p:spPr>
           <a:xfrm>
-            <a:off x="3287161" y="5153793"/>
+            <a:off x="3287162" y="4207614"/>
             <a:ext cx="1381383" cy="407676"/>
           </a:xfrm>
           <a:prstGeom prst="rect">
@@ -5629,7 +5629,7 @@
         </p:nvCxnSpPr>
         <p:spPr>
           <a:xfrm flipH="1" flipV="1">
-            <a:off x="4712152" y="1356515"/>
+            <a:off x="4712153" y="410336"/>
             <a:ext cx="33121" cy="4492710"/>
           </a:xfrm>
           <a:prstGeom prst="line">
@@ -5671,7 +5671,7 @@
         </p:nvSpPr>
         <p:spPr>
           <a:xfrm>
-            <a:off x="4775822" y="5447941"/>
+            <a:off x="4775823" y="4501762"/>
             <a:ext cx="1381383" cy="407676"/>
           </a:xfrm>
           <a:prstGeom prst="rect">
@@ -5738,7 +5738,7 @@
         </p:nvSpPr>
         <p:spPr>
           <a:xfrm>
-            <a:off x="1716509" y="946179"/>
+            <a:off x="1716509" y="0"/>
             <a:ext cx="670376" cy="369204"/>
           </a:xfrm>
           <a:prstGeom prst="rect">
@@ -5774,7 +5774,7 @@
         </p:nvSpPr>
         <p:spPr>
           <a:xfrm>
-            <a:off x="6918270" y="961129"/>
+            <a:off x="6918270" y="14950"/>
             <a:ext cx="670376" cy="369204"/>
           </a:xfrm>
           <a:prstGeom prst="rect">
@@ -5812,7 +5812,7 @@
         </p:nvCxnSpPr>
         <p:spPr>
           <a:xfrm flipH="1" flipV="1">
-            <a:off x="6191152" y="1377083"/>
+            <a:off x="6191152" y="430904"/>
             <a:ext cx="36430" cy="5286066"/>
           </a:xfrm>
           <a:prstGeom prst="line">
@@ -5854,7 +5854,7 @@
         </p:nvSpPr>
         <p:spPr>
           <a:xfrm>
-            <a:off x="6959227" y="6682676"/>
+            <a:off x="6959228" y="5736497"/>
             <a:ext cx="1381383" cy="407676"/>
           </a:xfrm>
           <a:prstGeom prst="rect">
@@ -5923,7 +5923,7 @@
         </p:nvCxnSpPr>
         <p:spPr>
           <a:xfrm flipH="1" flipV="1">
-            <a:off x="6953147" y="1264455"/>
+            <a:off x="6953147" y="318276"/>
             <a:ext cx="6080" cy="5849908"/>
           </a:xfrm>
           <a:prstGeom prst="line">
@@ -5965,7 +5965,7 @@
         </p:nvSpPr>
         <p:spPr>
           <a:xfrm>
-            <a:off x="6242947" y="6181912"/>
+            <a:off x="6242948" y="5235733"/>
             <a:ext cx="1381383" cy="407676"/>
           </a:xfrm>
           <a:prstGeom prst="rect">
@@ -6024,7 +6024,7 @@
         </p:nvSpPr>
         <p:spPr>
           <a:xfrm>
-            <a:off x="6227582" y="5732522"/>
+            <a:off x="6227583" y="4786343"/>
             <a:ext cx="1381383" cy="407676"/>
           </a:xfrm>
           <a:prstGeom prst="rect">
@@ -6091,7 +6091,7 @@
         </p:nvSpPr>
         <p:spPr>
           <a:xfrm>
-            <a:off x="1796928" y="3894948"/>
+            <a:off x="1796928" y="2948769"/>
             <a:ext cx="1381380" cy="407676"/>
           </a:xfrm>
           <a:prstGeom prst="rect">
@@ -6158,7 +6158,7 @@
         </p:nvSpPr>
         <p:spPr>
           <a:xfrm>
-            <a:off x="7714952" y="7643878"/>
+            <a:off x="7714953" y="6697699"/>
             <a:ext cx="1381383" cy="407676"/>
           </a:xfrm>
           <a:prstGeom prst="rect">
@@ -6227,7 +6227,7 @@
         </p:nvCxnSpPr>
         <p:spPr>
           <a:xfrm flipH="1" flipV="1">
-            <a:off x="9118812" y="1475980"/>
+            <a:off x="9118812" y="529801"/>
             <a:ext cx="53018" cy="6908660"/>
           </a:xfrm>
           <a:prstGeom prst="line">
@@ -6269,7 +6269,7 @@
         </p:nvSpPr>
         <p:spPr>
           <a:xfrm>
-            <a:off x="9171830" y="7976964"/>
+            <a:off x="9171830" y="7030785"/>
             <a:ext cx="1583676" cy="407676"/>
           </a:xfrm>
           <a:prstGeom prst="rect">
@@ -6336,7 +6336,7 @@
         </p:nvSpPr>
         <p:spPr>
           <a:xfrm>
-            <a:off x="874444" y="6598847"/>
+            <a:off x="874445" y="5652668"/>
             <a:ext cx="4494989" cy="261610"/>
           </a:xfrm>
           <a:prstGeom prst="rect">
@@ -6377,7 +6377,7 @@
         </p:nvSpPr>
         <p:spPr>
           <a:xfrm>
-            <a:off x="865267" y="6976065"/>
+            <a:off x="865267" y="6029887"/>
             <a:ext cx="4494988" cy="430887"/>
           </a:xfrm>
           <a:prstGeom prst="rect">
@@ -6421,7 +6421,7 @@
         </p:nvSpPr>
         <p:spPr>
           <a:xfrm>
-            <a:off x="7362430" y="7143114"/>
+            <a:off x="7362431" y="6196935"/>
             <a:ext cx="1381383" cy="407676"/>
           </a:xfrm>
           <a:prstGeom prst="rect">
@@ -6487,7 +6487,7 @@
         </p:nvSpPr>
         <p:spPr>
           <a:xfrm>
-            <a:off x="881219" y="7488827"/>
+            <a:off x="881219" y="6542648"/>
             <a:ext cx="4479036" cy="261610"/>
           </a:xfrm>
           <a:prstGeom prst="rect">
@@ -6528,7 +6528,7 @@
         </p:nvSpPr>
         <p:spPr>
           <a:xfrm>
-            <a:off x="881219" y="7847915"/>
+            <a:off x="881219" y="6901736"/>
             <a:ext cx="4479036" cy="261610"/>
           </a:xfrm>
           <a:prstGeom prst="rect">
@@ -6566,7 +6566,7 @@
         </p:nvSpPr>
         <p:spPr>
           <a:xfrm>
-            <a:off x="894588" y="8215234"/>
+            <a:off x="894588" y="7269055"/>
             <a:ext cx="4479036" cy="261610"/>
           </a:xfrm>
           <a:prstGeom prst="rect">
@@ -6606,7 +6606,7 @@
         </p:nvSpPr>
         <p:spPr>
           <a:xfrm>
-            <a:off x="1032076" y="7178949"/>
+            <a:off x="1032076" y="6232770"/>
             <a:ext cx="153650" cy="153650"/>
           </a:xfrm>
           <a:prstGeom prst="ellipse">
@@ -6652,7 +6652,7 @@
         </p:nvSpPr>
         <p:spPr>
           <a:xfrm>
-            <a:off x="4436076" y="4244091"/>
+            <a:off x="4436076" y="3297912"/>
             <a:ext cx="153650" cy="153650"/>
           </a:xfrm>
           <a:prstGeom prst="ellipse">
@@ -6698,7 +6698,7 @@
         </p:nvSpPr>
         <p:spPr>
           <a:xfrm>
-            <a:off x="5949439" y="5484644"/>
+            <a:off x="5949439" y="4538465"/>
             <a:ext cx="153650" cy="153650"/>
           </a:xfrm>
           <a:prstGeom prst="ellipse">
@@ -6744,7 +6744,7 @@
         </p:nvSpPr>
         <p:spPr>
           <a:xfrm rot="16200000">
-            <a:off x="-654017" y="7300790"/>
+            <a:off x="-654017" y="6354612"/>
             <a:ext cx="2246238" cy="592853"/>
           </a:xfrm>
           <a:prstGeom prst="ellipse">
@@ -6834,7 +6834,7 @@
         </p:nvGrpSpPr>
         <p:grpSpPr>
           <a:xfrm>
-            <a:off x="4711397" y="1489529"/>
+            <a:off x="4711398" y="742189"/>
             <a:ext cx="1381383" cy="1900006"/>
             <a:chOff x="4687527" y="978423"/>
             <a:chExt cx="1381383" cy="1900006"/>
@@ -6944,7 +6944,7 @@
         </p:nvGrpSpPr>
         <p:grpSpPr>
           <a:xfrm>
-            <a:off x="6175788" y="1489532"/>
+            <a:off x="6175789" y="742192"/>
             <a:ext cx="1381383" cy="1900004"/>
             <a:chOff x="6151919" y="978424"/>
             <a:chExt cx="1381383" cy="1900005"/>
@@ -7049,7 +7049,7 @@
         </p:nvGrpSpPr>
         <p:grpSpPr>
           <a:xfrm>
-            <a:off x="7669008" y="1489531"/>
+            <a:off x="7669009" y="742191"/>
             <a:ext cx="1381383" cy="1900004"/>
             <a:chOff x="7645140" y="978423"/>
             <a:chExt cx="1381383" cy="1900005"/>
@@ -7159,7 +7159,7 @@
         </p:nvGrpSpPr>
         <p:grpSpPr>
           <a:xfrm>
-            <a:off x="260559" y="1489532"/>
+            <a:off x="260560" y="742193"/>
             <a:ext cx="1381383" cy="1900007"/>
             <a:chOff x="236693" y="978427"/>
             <a:chExt cx="1381383" cy="1900007"/>
@@ -7303,7 +7303,7 @@
         </p:nvGrpSpPr>
         <p:grpSpPr>
           <a:xfrm>
-            <a:off x="3247001" y="1489530"/>
+            <a:off x="3247001" y="742191"/>
             <a:ext cx="1396100" cy="1900007"/>
             <a:chOff x="3223136" y="978422"/>
             <a:chExt cx="1396100" cy="1900007"/>
@@ -7442,7 +7442,7 @@
         </p:nvGrpSpPr>
         <p:grpSpPr>
           <a:xfrm>
-            <a:off x="10597791" y="1489531"/>
+            <a:off x="10597792" y="742191"/>
             <a:ext cx="1381383" cy="1900004"/>
             <a:chOff x="10573923" y="978423"/>
             <a:chExt cx="1381383" cy="1900005"/>
@@ -7581,7 +7581,7 @@
         </p:nvGrpSpPr>
         <p:grpSpPr>
           <a:xfrm>
-            <a:off x="1753783" y="1489531"/>
+            <a:off x="1753784" y="742192"/>
             <a:ext cx="1381383" cy="1900007"/>
             <a:chOff x="1729914" y="978424"/>
             <a:chExt cx="1381383" cy="1900007"/>
@@ -7720,7 +7720,7 @@
         </p:nvGrpSpPr>
         <p:grpSpPr>
           <a:xfrm>
-            <a:off x="9133401" y="1489531"/>
+            <a:off x="9133402" y="742191"/>
             <a:ext cx="1381383" cy="1900004"/>
             <a:chOff x="9109531" y="978423"/>
             <a:chExt cx="1381383" cy="1900005"/>
@@ -7830,7 +7830,7 @@
         </p:nvSpPr>
         <p:spPr>
           <a:xfrm>
-            <a:off x="3460856" y="2342813"/>
+            <a:off x="3460856" y="1595474"/>
             <a:ext cx="6862568" cy="311945"/>
           </a:xfrm>
           <a:prstGeom prst="rect">
@@ -7903,7 +7903,7 @@
         </p:nvSpPr>
         <p:spPr>
           <a:xfrm>
-            <a:off x="3907709" y="2735968"/>
+            <a:off x="3907709" y="1988628"/>
             <a:ext cx="2489756" cy="265928"/>
           </a:xfrm>
           <a:prstGeom prst="rect">
@@ -7976,7 +7976,7 @@
         </p:nvCxnSpPr>
         <p:spPr>
           <a:xfrm flipV="1">
-            <a:off x="1753777" y="1246678"/>
+            <a:off x="1753777" y="499339"/>
             <a:ext cx="0" cy="109839"/>
           </a:xfrm>
           <a:prstGeom prst="line">
@@ -8012,7 +8012,7 @@
         </p:nvCxnSpPr>
         <p:spPr>
           <a:xfrm flipV="1">
-            <a:off x="3241796" y="1246678"/>
+            <a:off x="3241796" y="499339"/>
             <a:ext cx="0" cy="109839"/>
           </a:xfrm>
           <a:prstGeom prst="line">
@@ -8048,7 +8048,7 @@
         </p:nvCxnSpPr>
         <p:spPr>
           <a:xfrm flipV="1">
-            <a:off x="4700315" y="1248220"/>
+            <a:off x="4700315" y="500881"/>
             <a:ext cx="0" cy="109839"/>
           </a:xfrm>
           <a:prstGeom prst="line">
@@ -8084,7 +8084,7 @@
         </p:nvCxnSpPr>
         <p:spPr>
           <a:xfrm flipV="1">
-            <a:off x="6175783" y="1248220"/>
+            <a:off x="6175783" y="500881"/>
             <a:ext cx="0" cy="109839"/>
           </a:xfrm>
           <a:prstGeom prst="line">
@@ -8120,7 +8120,7 @@
         </p:nvCxnSpPr>
         <p:spPr>
           <a:xfrm flipV="1">
-            <a:off x="7667772" y="1248220"/>
+            <a:off x="7667772" y="500881"/>
             <a:ext cx="0" cy="109839"/>
           </a:xfrm>
           <a:prstGeom prst="line">
@@ -8156,7 +8156,7 @@
         </p:nvCxnSpPr>
         <p:spPr>
           <a:xfrm flipV="1">
-            <a:off x="9133396" y="1248220"/>
+            <a:off x="9133396" y="500881"/>
             <a:ext cx="0" cy="109839"/>
           </a:xfrm>
           <a:prstGeom prst="line">
@@ -8199,7 +8199,7 @@
         </p:blipFill>
         <p:spPr>
           <a:xfrm>
-            <a:off x="4157717" y="1949416"/>
+            <a:off x="4157717" y="1202076"/>
             <a:ext cx="473132" cy="267106"/>
           </a:xfrm>
           <a:prstGeom prst="rect">
@@ -8223,7 +8223,7 @@
         </p:nvCxnSpPr>
         <p:spPr>
           <a:xfrm>
-            <a:off x="1753785" y="1241180"/>
+            <a:off x="1753786" y="493840"/>
             <a:ext cx="7379619" cy="0"/>
           </a:xfrm>
           <a:prstGeom prst="line">
@@ -8264,7 +8264,7 @@
         </p:nvCxnSpPr>
         <p:spPr>
           <a:xfrm flipV="1">
-            <a:off x="1753777" y="1246678"/>
+            <a:off x="1753777" y="499339"/>
             <a:ext cx="0" cy="109839"/>
           </a:xfrm>
           <a:prstGeom prst="line">
@@ -8300,7 +8300,7 @@
         </p:nvCxnSpPr>
         <p:spPr>
           <a:xfrm flipV="1">
-            <a:off x="3241796" y="1246678"/>
+            <a:off x="3241796" y="499339"/>
             <a:ext cx="0" cy="109839"/>
           </a:xfrm>
           <a:prstGeom prst="line">
@@ -8336,7 +8336,7 @@
         </p:nvCxnSpPr>
         <p:spPr>
           <a:xfrm flipV="1">
-            <a:off x="4700315" y="1248220"/>
+            <a:off x="4700315" y="500881"/>
             <a:ext cx="0" cy="109839"/>
           </a:xfrm>
           <a:prstGeom prst="line">
@@ -8372,7 +8372,7 @@
         </p:nvCxnSpPr>
         <p:spPr>
           <a:xfrm flipV="1">
-            <a:off x="6175783" y="1248220"/>
+            <a:off x="6175783" y="500881"/>
             <a:ext cx="0" cy="109839"/>
           </a:xfrm>
           <a:prstGeom prst="line">
@@ -8408,7 +8408,7 @@
         </p:nvCxnSpPr>
         <p:spPr>
           <a:xfrm flipV="1">
-            <a:off x="7667772" y="1248220"/>
+            <a:off x="7667772" y="500881"/>
             <a:ext cx="0" cy="109839"/>
           </a:xfrm>
           <a:prstGeom prst="line">
@@ -8444,7 +8444,7 @@
         </p:nvCxnSpPr>
         <p:spPr>
           <a:xfrm flipV="1">
-            <a:off x="9133396" y="1248220"/>
+            <a:off x="9133396" y="500881"/>
             <a:ext cx="0" cy="109839"/>
           </a:xfrm>
           <a:prstGeom prst="line">
@@ -8487,7 +8487,7 @@
         </p:blipFill>
         <p:spPr>
           <a:xfrm>
-            <a:off x="1748578" y="1241184"/>
+            <a:off x="1748578" y="493845"/>
             <a:ext cx="152400" cy="171773"/>
           </a:xfrm>
           <a:prstGeom prst="rect">
@@ -8511,7 +8511,7 @@
         </p:nvCxnSpPr>
         <p:spPr>
           <a:xfrm>
-            <a:off x="1753785" y="1241180"/>
+            <a:off x="1753786" y="493840"/>
             <a:ext cx="7379619" cy="0"/>
           </a:xfrm>
           <a:prstGeom prst="line">
@@ -8552,7 +8552,7 @@
         </p:nvCxnSpPr>
         <p:spPr>
           <a:xfrm flipV="1">
-            <a:off x="1753777" y="1246678"/>
+            <a:off x="1753777" y="499339"/>
             <a:ext cx="0" cy="109839"/>
           </a:xfrm>
           <a:prstGeom prst="line">
@@ -8588,7 +8588,7 @@
         </p:nvCxnSpPr>
         <p:spPr>
           <a:xfrm flipV="1">
-            <a:off x="3241796" y="1246678"/>
+            <a:off x="3241796" y="499339"/>
             <a:ext cx="0" cy="109839"/>
           </a:xfrm>
           <a:prstGeom prst="line">
@@ -8624,7 +8624,7 @@
         </p:nvCxnSpPr>
         <p:spPr>
           <a:xfrm flipV="1">
-            <a:off x="4700315" y="1248220"/>
+            <a:off x="4700315" y="500881"/>
             <a:ext cx="0" cy="109839"/>
           </a:xfrm>
           <a:prstGeom prst="line">
@@ -8660,7 +8660,7 @@
         </p:nvCxnSpPr>
         <p:spPr>
           <a:xfrm flipV="1">
-            <a:off x="6175783" y="1248220"/>
+            <a:off x="6175783" y="500881"/>
             <a:ext cx="0" cy="109839"/>
           </a:xfrm>
           <a:prstGeom prst="line">
@@ -8696,7 +8696,7 @@
         </p:nvCxnSpPr>
         <p:spPr>
           <a:xfrm flipV="1">
-            <a:off x="7667772" y="1248220"/>
+            <a:off x="7667772" y="500881"/>
             <a:ext cx="0" cy="109839"/>
           </a:xfrm>
           <a:prstGeom prst="line">
@@ -8732,7 +8732,7 @@
         </p:nvCxnSpPr>
         <p:spPr>
           <a:xfrm flipV="1">
-            <a:off x="9133396" y="1248220"/>
+            <a:off x="9133396" y="500881"/>
             <a:ext cx="0" cy="109839"/>
           </a:xfrm>
           <a:prstGeom prst="line">
@@ -8775,7 +8775,7 @@
         </p:blipFill>
         <p:spPr>
           <a:xfrm>
-            <a:off x="1596178" y="1241184"/>
+            <a:off x="1596178" y="493845"/>
             <a:ext cx="152400" cy="171773"/>
           </a:xfrm>
           <a:prstGeom prst="rect">
@@ -8804,7 +8804,7 @@
         </p:blipFill>
         <p:spPr>
           <a:xfrm>
-            <a:off x="1783278" y="1250886"/>
+            <a:off x="1783278" y="503547"/>
             <a:ext cx="152400" cy="171773"/>
           </a:xfrm>
           <a:prstGeom prst="rect">
@@ -8833,7 +8833,7 @@
         </p:blipFill>
         <p:spPr>
           <a:xfrm>
-            <a:off x="3271297" y="1241184"/>
+            <a:off x="3271297" y="493845"/>
             <a:ext cx="152400" cy="171773"/>
           </a:xfrm>
           <a:prstGeom prst="rect">
@@ -8862,7 +8862,7 @@
         </p:blipFill>
         <p:spPr>
           <a:xfrm>
-            <a:off x="4707734" y="1241184"/>
+            <a:off x="4707734" y="493845"/>
             <a:ext cx="152400" cy="171773"/>
           </a:xfrm>
           <a:prstGeom prst="rect">
@@ -8891,7 +8891,7 @@
         </p:blipFill>
         <p:spPr>
           <a:xfrm>
-            <a:off x="6187754" y="1241184"/>
+            <a:off x="6187754" y="493845"/>
             <a:ext cx="152400" cy="171773"/>
           </a:xfrm>
           <a:prstGeom prst="rect">
@@ -8920,7 +8920,7 @@
         </p:blipFill>
         <p:spPr>
           <a:xfrm>
-            <a:off x="7684109" y="1241184"/>
+            <a:off x="7684109" y="493845"/>
             <a:ext cx="152400" cy="171773"/>
           </a:xfrm>
           <a:prstGeom prst="rect">
@@ -8949,7 +8949,7 @@
         </p:blipFill>
         <p:spPr>
           <a:xfrm>
-            <a:off x="8964661" y="1241184"/>
+            <a:off x="8964661" y="493845"/>
             <a:ext cx="152400" cy="171773"/>
           </a:xfrm>
           <a:prstGeom prst="rect">
@@ -8978,7 +8978,7 @@
         </p:blipFill>
         <p:spPr>
           <a:xfrm>
-            <a:off x="9162896" y="1241183"/>
+            <a:off x="9162896" y="493844"/>
             <a:ext cx="152400" cy="171773"/>
           </a:xfrm>
           <a:prstGeom prst="rect">
@@ -9002,7 +9002,7 @@
         </p:nvCxnSpPr>
         <p:spPr>
           <a:xfrm flipV="1">
-            <a:off x="9115518" y="1241184"/>
+            <a:off x="9115518" y="493845"/>
             <a:ext cx="0" cy="2148357"/>
           </a:xfrm>
           <a:prstGeom prst="line">
@@ -9044,7 +9044,7 @@
         </p:nvSpPr>
         <p:spPr>
           <a:xfrm>
-            <a:off x="1768533" y="3447678"/>
+            <a:off x="1768533" y="2700338"/>
             <a:ext cx="1381380" cy="407676"/>
           </a:xfrm>
           <a:prstGeom prst="rect">
@@ -9113,7 +9113,7 @@
         </p:nvCxnSpPr>
         <p:spPr>
           <a:xfrm flipH="1" flipV="1">
-            <a:off x="1760132" y="1365570"/>
+            <a:off x="1760132" y="618230"/>
             <a:ext cx="23146" cy="2489784"/>
           </a:xfrm>
           <a:prstGeom prst="line">
@@ -9157,7 +9157,7 @@
         </p:nvCxnSpPr>
         <p:spPr>
           <a:xfrm flipH="1" flipV="1">
-            <a:off x="3234522" y="1327075"/>
+            <a:off x="3234522" y="579735"/>
             <a:ext cx="26202" cy="3554122"/>
           </a:xfrm>
           <a:prstGeom prst="line">
@@ -9199,7 +9199,7 @@
         </p:nvSpPr>
         <p:spPr>
           <a:xfrm>
-            <a:off x="3287161" y="3994341"/>
+            <a:off x="3287162" y="3247001"/>
             <a:ext cx="1381383" cy="407676"/>
           </a:xfrm>
           <a:prstGeom prst="rect">
@@ -9258,7 +9258,7 @@
         </p:nvSpPr>
         <p:spPr>
           <a:xfrm>
-            <a:off x="3287161" y="4473521"/>
+            <a:off x="3287162" y="3726181"/>
             <a:ext cx="1381383" cy="407676"/>
           </a:xfrm>
           <a:prstGeom prst="rect">
@@ -9317,7 +9317,7 @@
         </p:nvSpPr>
         <p:spPr>
           <a:xfrm>
-            <a:off x="1716509" y="946179"/>
+            <a:off x="1716509" y="198839"/>
             <a:ext cx="670376" cy="369204"/>
           </a:xfrm>
           <a:prstGeom prst="rect">
@@ -9353,7 +9353,7 @@
         </p:nvSpPr>
         <p:spPr>
           <a:xfrm>
-            <a:off x="6918270" y="961129"/>
+            <a:off x="6918270" y="213789"/>
             <a:ext cx="670376" cy="369204"/>
           </a:xfrm>
           <a:prstGeom prst="rect">
@@ -9391,7 +9391,7 @@
         </p:nvCxnSpPr>
         <p:spPr>
           <a:xfrm flipH="1" flipV="1">
-            <a:off x="6191152" y="1377083"/>
+            <a:off x="6191153" y="629743"/>
             <a:ext cx="30721" cy="4167346"/>
           </a:xfrm>
           <a:prstGeom prst="line">
@@ -9433,7 +9433,7 @@
         </p:nvSpPr>
         <p:spPr>
           <a:xfrm>
-            <a:off x="6242947" y="5093427"/>
+            <a:off x="6242948" y="4346087"/>
             <a:ext cx="1381383" cy="407676"/>
           </a:xfrm>
           <a:prstGeom prst="rect">
@@ -9494,7 +9494,7 @@
         </p:nvCxnSpPr>
         <p:spPr>
           <a:xfrm flipH="1" flipV="1">
-            <a:off x="9118812" y="1475981"/>
+            <a:off x="9118812" y="728642"/>
             <a:ext cx="24132" cy="4516863"/>
           </a:xfrm>
           <a:prstGeom prst="line">
@@ -9536,7 +9536,7 @@
         </p:nvSpPr>
         <p:spPr>
           <a:xfrm>
-            <a:off x="9171830" y="5585168"/>
+            <a:off x="9171830" y="4837828"/>
             <a:ext cx="1583676" cy="407676"/>
           </a:xfrm>
           <a:prstGeom prst="rect">
@@ -9603,7 +9603,7 @@
         </p:nvSpPr>
         <p:spPr>
           <a:xfrm>
-            <a:off x="246713" y="5208925"/>
+            <a:off x="246713" y="4461586"/>
             <a:ext cx="3911004" cy="3108543"/>
           </a:xfrm>
           <a:prstGeom prst="rect">
@@ -9815,7 +9815,7 @@
         </p:nvSpPr>
         <p:spPr>
           <a:xfrm>
-            <a:off x="3249995" y="7993886"/>
+            <a:off x="3249995" y="7246547"/>
             <a:ext cx="2246238" cy="592853"/>
           </a:xfrm>
           <a:prstGeom prst="ellipse">
@@ -9907,7 +9907,7 @@
         </p:nvCxnSpPr>
         <p:spPr>
           <a:xfrm flipH="1" flipV="1">
-            <a:off x="6953147" y="1264455"/>
+            <a:off x="6953148" y="318277"/>
             <a:ext cx="24855" cy="4728389"/>
           </a:xfrm>
           <a:prstGeom prst="line">
@@ -9949,7 +9949,7 @@
         </p:nvSpPr>
         <p:spPr>
           <a:xfrm>
-            <a:off x="284740" y="5394462"/>
+            <a:off x="284741" y="4448284"/>
             <a:ext cx="4728809" cy="3108543"/>
           </a:xfrm>
           <a:prstGeom prst="rect">
@@ -10139,7 +10139,7 @@
         </p:nvGrpSpPr>
         <p:grpSpPr>
           <a:xfrm>
-            <a:off x="4711397" y="1489529"/>
+            <a:off x="4711398" y="543350"/>
             <a:ext cx="1381383" cy="1900006"/>
             <a:chOff x="4687527" y="978423"/>
             <a:chExt cx="1381383" cy="1900006"/>
@@ -10249,7 +10249,7 @@
         </p:nvGrpSpPr>
         <p:grpSpPr>
           <a:xfrm>
-            <a:off x="6175788" y="1489532"/>
+            <a:off x="6175789" y="543353"/>
             <a:ext cx="1381383" cy="1900004"/>
             <a:chOff x="6151919" y="978424"/>
             <a:chExt cx="1381383" cy="1900005"/>
@@ -10354,7 +10354,7 @@
         </p:nvGrpSpPr>
         <p:grpSpPr>
           <a:xfrm>
-            <a:off x="7669008" y="1489531"/>
+            <a:off x="7669009" y="543352"/>
             <a:ext cx="1381383" cy="1900004"/>
             <a:chOff x="7645140" y="978423"/>
             <a:chExt cx="1381383" cy="1900005"/>
@@ -10464,7 +10464,7 @@
         </p:nvGrpSpPr>
         <p:grpSpPr>
           <a:xfrm>
-            <a:off x="260559" y="1489532"/>
+            <a:off x="260560" y="543354"/>
             <a:ext cx="1381383" cy="1900007"/>
             <a:chOff x="236693" y="978427"/>
             <a:chExt cx="1381383" cy="1900007"/>
@@ -10608,7 +10608,7 @@
         </p:nvGrpSpPr>
         <p:grpSpPr>
           <a:xfrm>
-            <a:off x="3247001" y="1489530"/>
+            <a:off x="3247001" y="543352"/>
             <a:ext cx="1396100" cy="1900007"/>
             <a:chOff x="3223136" y="978422"/>
             <a:chExt cx="1396100" cy="1900007"/>
@@ -10747,7 +10747,7 @@
         </p:nvGrpSpPr>
         <p:grpSpPr>
           <a:xfrm>
-            <a:off x="10597791" y="1489531"/>
+            <a:off x="10597792" y="543352"/>
             <a:ext cx="1381383" cy="1900004"/>
             <a:chOff x="10573923" y="978423"/>
             <a:chExt cx="1381383" cy="1900005"/>
@@ -10886,7 +10886,7 @@
         </p:nvGrpSpPr>
         <p:grpSpPr>
           <a:xfrm>
-            <a:off x="1753783" y="1489531"/>
+            <a:off x="1753784" y="543353"/>
             <a:ext cx="1381383" cy="1900007"/>
             <a:chOff x="1729914" y="978424"/>
             <a:chExt cx="1381383" cy="1900007"/>
@@ -11025,7 +11025,7 @@
         </p:nvGrpSpPr>
         <p:grpSpPr>
           <a:xfrm>
-            <a:off x="9133401" y="1489531"/>
+            <a:off x="9133402" y="543352"/>
             <a:ext cx="1381383" cy="1900004"/>
             <a:chOff x="9109531" y="978423"/>
             <a:chExt cx="1381383" cy="1900005"/>
@@ -11135,7 +11135,7 @@
         </p:nvSpPr>
         <p:spPr>
           <a:xfrm>
-            <a:off x="3460856" y="2342813"/>
+            <a:off x="3460856" y="1396635"/>
             <a:ext cx="6862568" cy="311945"/>
           </a:xfrm>
           <a:prstGeom prst="rect">
@@ -11208,7 +11208,7 @@
         </p:nvSpPr>
         <p:spPr>
           <a:xfrm>
-            <a:off x="3907709" y="2735968"/>
+            <a:off x="3907709" y="1789789"/>
             <a:ext cx="2489756" cy="265928"/>
           </a:xfrm>
           <a:prstGeom prst="rect">
@@ -11281,7 +11281,7 @@
         </p:nvCxnSpPr>
         <p:spPr>
           <a:xfrm flipV="1">
-            <a:off x="1753777" y="1246678"/>
+            <a:off x="1753777" y="300500"/>
             <a:ext cx="0" cy="109839"/>
           </a:xfrm>
           <a:prstGeom prst="line">
@@ -11317,7 +11317,7 @@
         </p:nvCxnSpPr>
         <p:spPr>
           <a:xfrm flipV="1">
-            <a:off x="3241796" y="1246678"/>
+            <a:off x="3241796" y="300500"/>
             <a:ext cx="0" cy="109839"/>
           </a:xfrm>
           <a:prstGeom prst="line">
@@ -11353,7 +11353,7 @@
         </p:nvCxnSpPr>
         <p:spPr>
           <a:xfrm flipV="1">
-            <a:off x="4700315" y="1248220"/>
+            <a:off x="4700315" y="302042"/>
             <a:ext cx="0" cy="109839"/>
           </a:xfrm>
           <a:prstGeom prst="line">
@@ -11389,7 +11389,7 @@
         </p:nvCxnSpPr>
         <p:spPr>
           <a:xfrm flipV="1">
-            <a:off x="6175783" y="1248220"/>
+            <a:off x="6175783" y="302042"/>
             <a:ext cx="0" cy="109839"/>
           </a:xfrm>
           <a:prstGeom prst="line">
@@ -11425,7 +11425,7 @@
         </p:nvCxnSpPr>
         <p:spPr>
           <a:xfrm flipV="1">
-            <a:off x="7667772" y="1248220"/>
+            <a:off x="7667772" y="302042"/>
             <a:ext cx="0" cy="109839"/>
           </a:xfrm>
           <a:prstGeom prst="line">
@@ -11461,7 +11461,7 @@
         </p:nvCxnSpPr>
         <p:spPr>
           <a:xfrm flipV="1">
-            <a:off x="9133396" y="1248220"/>
+            <a:off x="9133396" y="302042"/>
             <a:ext cx="0" cy="109839"/>
           </a:xfrm>
           <a:prstGeom prst="line">
@@ -11504,7 +11504,7 @@
         </p:blipFill>
         <p:spPr>
           <a:xfrm>
-            <a:off x="4157717" y="1949416"/>
+            <a:off x="4157717" y="1003237"/>
             <a:ext cx="473132" cy="267106"/>
           </a:xfrm>
           <a:prstGeom prst="rect">
@@ -11528,7 +11528,7 @@
         </p:nvCxnSpPr>
         <p:spPr>
           <a:xfrm>
-            <a:off x="1753785" y="1241180"/>
+            <a:off x="1753786" y="295001"/>
             <a:ext cx="7379619" cy="0"/>
           </a:xfrm>
           <a:prstGeom prst="line">
@@ -11569,7 +11569,7 @@
         </p:nvCxnSpPr>
         <p:spPr>
           <a:xfrm flipV="1">
-            <a:off x="1753777" y="1246678"/>
+            <a:off x="1753777" y="300500"/>
             <a:ext cx="0" cy="109839"/>
           </a:xfrm>
           <a:prstGeom prst="line">
@@ -11605,7 +11605,7 @@
         </p:nvCxnSpPr>
         <p:spPr>
           <a:xfrm flipV="1">
-            <a:off x="3241796" y="1246678"/>
+            <a:off x="3241796" y="300500"/>
             <a:ext cx="0" cy="109839"/>
           </a:xfrm>
           <a:prstGeom prst="line">
@@ -11641,7 +11641,7 @@
         </p:nvCxnSpPr>
         <p:spPr>
           <a:xfrm flipV="1">
-            <a:off x="4700315" y="1248220"/>
+            <a:off x="4700315" y="302042"/>
             <a:ext cx="0" cy="109839"/>
           </a:xfrm>
           <a:prstGeom prst="line">
@@ -11677,7 +11677,7 @@
         </p:nvCxnSpPr>
         <p:spPr>
           <a:xfrm flipV="1">
-            <a:off x="6175783" y="1248220"/>
+            <a:off x="6175783" y="302042"/>
             <a:ext cx="0" cy="109839"/>
           </a:xfrm>
           <a:prstGeom prst="line">
@@ -11713,7 +11713,7 @@
         </p:nvCxnSpPr>
         <p:spPr>
           <a:xfrm flipV="1">
-            <a:off x="7667772" y="1248220"/>
+            <a:off x="7667772" y="302042"/>
             <a:ext cx="0" cy="109839"/>
           </a:xfrm>
           <a:prstGeom prst="line">
@@ -11749,7 +11749,7 @@
         </p:nvCxnSpPr>
         <p:spPr>
           <a:xfrm flipV="1">
-            <a:off x="9133396" y="1248220"/>
+            <a:off x="9133396" y="302042"/>
             <a:ext cx="0" cy="109839"/>
           </a:xfrm>
           <a:prstGeom prst="line">
@@ -11792,7 +11792,7 @@
         </p:blipFill>
         <p:spPr>
           <a:xfrm>
-            <a:off x="1748578" y="1241184"/>
+            <a:off x="1748578" y="295006"/>
             <a:ext cx="152400" cy="171773"/>
           </a:xfrm>
           <a:prstGeom prst="rect">
@@ -11816,7 +11816,7 @@
         </p:nvCxnSpPr>
         <p:spPr>
           <a:xfrm>
-            <a:off x="1753785" y="1241180"/>
+            <a:off x="1753786" y="295001"/>
             <a:ext cx="7379619" cy="0"/>
           </a:xfrm>
           <a:prstGeom prst="line">
@@ -11857,7 +11857,7 @@
         </p:nvCxnSpPr>
         <p:spPr>
           <a:xfrm flipV="1">
-            <a:off x="1753777" y="1246678"/>
+            <a:off x="1753777" y="300500"/>
             <a:ext cx="0" cy="109839"/>
           </a:xfrm>
           <a:prstGeom prst="line">
@@ -11893,7 +11893,7 @@
         </p:nvCxnSpPr>
         <p:spPr>
           <a:xfrm flipV="1">
-            <a:off x="3241796" y="1246678"/>
+            <a:off x="3241796" y="300500"/>
             <a:ext cx="0" cy="109839"/>
           </a:xfrm>
           <a:prstGeom prst="line">
@@ -11929,7 +11929,7 @@
         </p:nvCxnSpPr>
         <p:spPr>
           <a:xfrm flipV="1">
-            <a:off x="4700315" y="1248220"/>
+            <a:off x="4700315" y="302042"/>
             <a:ext cx="0" cy="109839"/>
           </a:xfrm>
           <a:prstGeom prst="line">
@@ -11965,7 +11965,7 @@
         </p:nvCxnSpPr>
         <p:spPr>
           <a:xfrm flipV="1">
-            <a:off x="6175783" y="1248220"/>
+            <a:off x="6175783" y="302042"/>
             <a:ext cx="0" cy="109839"/>
           </a:xfrm>
           <a:prstGeom prst="line">
@@ -12001,7 +12001,7 @@
         </p:nvCxnSpPr>
         <p:spPr>
           <a:xfrm flipV="1">
-            <a:off x="7667772" y="1248220"/>
+            <a:off x="7667772" y="302042"/>
             <a:ext cx="0" cy="109839"/>
           </a:xfrm>
           <a:prstGeom prst="line">
@@ -12037,7 +12037,7 @@
         </p:nvCxnSpPr>
         <p:spPr>
           <a:xfrm flipV="1">
-            <a:off x="9133396" y="1248220"/>
+            <a:off x="9133396" y="302042"/>
             <a:ext cx="0" cy="109839"/>
           </a:xfrm>
           <a:prstGeom prst="line">
@@ -12080,7 +12080,7 @@
         </p:blipFill>
         <p:spPr>
           <a:xfrm>
-            <a:off x="1596178" y="1241184"/>
+            <a:off x="1596178" y="295006"/>
             <a:ext cx="152400" cy="171773"/>
           </a:xfrm>
           <a:prstGeom prst="rect">
@@ -12109,7 +12109,7 @@
         </p:blipFill>
         <p:spPr>
           <a:xfrm>
-            <a:off x="1783278" y="1250886"/>
+            <a:off x="1783278" y="304708"/>
             <a:ext cx="152400" cy="171773"/>
           </a:xfrm>
           <a:prstGeom prst="rect">
@@ -12138,7 +12138,7 @@
         </p:blipFill>
         <p:spPr>
           <a:xfrm>
-            <a:off x="3271297" y="1241184"/>
+            <a:off x="3271297" y="295006"/>
             <a:ext cx="152400" cy="171773"/>
           </a:xfrm>
           <a:prstGeom prst="rect">
@@ -12167,7 +12167,7 @@
         </p:blipFill>
         <p:spPr>
           <a:xfrm>
-            <a:off x="4707734" y="1241184"/>
+            <a:off x="4707734" y="295006"/>
             <a:ext cx="152400" cy="171773"/>
           </a:xfrm>
           <a:prstGeom prst="rect">
@@ -12196,7 +12196,7 @@
         </p:blipFill>
         <p:spPr>
           <a:xfrm>
-            <a:off x="6187754" y="1241184"/>
+            <a:off x="6187754" y="295006"/>
             <a:ext cx="152400" cy="171773"/>
           </a:xfrm>
           <a:prstGeom prst="rect">
@@ -12225,7 +12225,7 @@
         </p:blipFill>
         <p:spPr>
           <a:xfrm>
-            <a:off x="7684109" y="1241184"/>
+            <a:off x="7684109" y="295006"/>
             <a:ext cx="152400" cy="171773"/>
           </a:xfrm>
           <a:prstGeom prst="rect">
@@ -12254,7 +12254,7 @@
         </p:blipFill>
         <p:spPr>
           <a:xfrm>
-            <a:off x="8964661" y="1241184"/>
+            <a:off x="8964661" y="295006"/>
             <a:ext cx="152400" cy="171773"/>
           </a:xfrm>
           <a:prstGeom prst="rect">
@@ -12283,7 +12283,7 @@
         </p:blipFill>
         <p:spPr>
           <a:xfrm>
-            <a:off x="9162896" y="1241183"/>
+            <a:off x="9162896" y="295005"/>
             <a:ext cx="152400" cy="171773"/>
           </a:xfrm>
           <a:prstGeom prst="rect">
@@ -12307,7 +12307,7 @@
         </p:nvCxnSpPr>
         <p:spPr>
           <a:xfrm flipV="1">
-            <a:off x="9115518" y="1241184"/>
+            <a:off x="9115518" y="295006"/>
             <a:ext cx="0" cy="2148357"/>
           </a:xfrm>
           <a:prstGeom prst="line">
@@ -12349,7 +12349,7 @@
         </p:nvSpPr>
         <p:spPr>
           <a:xfrm>
-            <a:off x="1768533" y="3447678"/>
+            <a:off x="1768533" y="2501499"/>
             <a:ext cx="1381380" cy="407676"/>
           </a:xfrm>
           <a:prstGeom prst="rect">
@@ -12418,7 +12418,7 @@
         </p:nvCxnSpPr>
         <p:spPr>
           <a:xfrm flipH="1" flipV="1">
-            <a:off x="1760132" y="1365570"/>
+            <a:off x="1760132" y="419391"/>
             <a:ext cx="23146" cy="2489784"/>
           </a:xfrm>
           <a:prstGeom prst="line">
@@ -12462,7 +12462,7 @@
         </p:nvCxnSpPr>
         <p:spPr>
           <a:xfrm flipH="1" flipV="1">
-            <a:off x="3234522" y="1327075"/>
+            <a:off x="3234522" y="380896"/>
             <a:ext cx="26202" cy="3554122"/>
           </a:xfrm>
           <a:prstGeom prst="line">
@@ -12504,7 +12504,7 @@
         </p:nvSpPr>
         <p:spPr>
           <a:xfrm>
-            <a:off x="3287161" y="3994341"/>
+            <a:off x="3287162" y="3048162"/>
             <a:ext cx="1381383" cy="407676"/>
           </a:xfrm>
           <a:prstGeom prst="rect">
@@ -12563,7 +12563,7 @@
         </p:nvSpPr>
         <p:spPr>
           <a:xfrm>
-            <a:off x="3287161" y="4473521"/>
+            <a:off x="3287162" y="3527342"/>
             <a:ext cx="1381383" cy="407676"/>
           </a:xfrm>
           <a:prstGeom prst="rect">
@@ -12622,7 +12622,7 @@
         </p:nvSpPr>
         <p:spPr>
           <a:xfrm>
-            <a:off x="1716509" y="946179"/>
+            <a:off x="1716509" y="0"/>
             <a:ext cx="670376" cy="369204"/>
           </a:xfrm>
           <a:prstGeom prst="rect">
@@ -12658,7 +12658,7 @@
         </p:nvSpPr>
         <p:spPr>
           <a:xfrm>
-            <a:off x="6918270" y="961129"/>
+            <a:off x="6918270" y="14950"/>
             <a:ext cx="670376" cy="369204"/>
           </a:xfrm>
           <a:prstGeom prst="rect">
@@ -12696,7 +12696,7 @@
         </p:nvCxnSpPr>
         <p:spPr>
           <a:xfrm flipH="1" flipV="1">
-            <a:off x="6191152" y="1377083"/>
+            <a:off x="6191153" y="430904"/>
             <a:ext cx="30721" cy="4167346"/>
           </a:xfrm>
           <a:prstGeom prst="line">
@@ -12738,7 +12738,7 @@
         </p:nvSpPr>
         <p:spPr>
           <a:xfrm>
-            <a:off x="6242947" y="5093427"/>
+            <a:off x="6242948" y="4147248"/>
             <a:ext cx="1381383" cy="407676"/>
           </a:xfrm>
           <a:prstGeom prst="rect">
@@ -12799,7 +12799,7 @@
         </p:nvCxnSpPr>
         <p:spPr>
           <a:xfrm flipH="1" flipV="1">
-            <a:off x="9118812" y="1475982"/>
+            <a:off x="9118813" y="529804"/>
             <a:ext cx="27009" cy="5055447"/>
           </a:xfrm>
           <a:prstGeom prst="line">
@@ -12841,7 +12841,7 @@
         </p:nvSpPr>
         <p:spPr>
           <a:xfrm>
-            <a:off x="9171830" y="6062930"/>
+            <a:off x="9171830" y="5116751"/>
             <a:ext cx="1583676" cy="407676"/>
           </a:xfrm>
           <a:prstGeom prst="rect">
@@ -12908,7 +12908,7 @@
         </p:nvSpPr>
         <p:spPr>
           <a:xfrm>
-            <a:off x="6968873" y="5585168"/>
+            <a:off x="6968874" y="4638989"/>
             <a:ext cx="1381383" cy="407676"/>
           </a:xfrm>
           <a:prstGeom prst="rect">
@@ -12975,7 +12975,7 @@
         </p:nvSpPr>
         <p:spPr>
           <a:xfrm>
-            <a:off x="3249995" y="7993886"/>
+            <a:off x="3249995" y="7047708"/>
             <a:ext cx="2246238" cy="592853"/>
           </a:xfrm>
           <a:prstGeom prst="ellipse">
@@ -13065,7 +13065,7 @@
         </p:nvSpPr>
         <p:spPr>
           <a:xfrm>
-            <a:off x="237679" y="5456478"/>
+            <a:off x="237680" y="4730654"/>
             <a:ext cx="4659507" cy="3262432"/>
           </a:xfrm>
           <a:prstGeom prst="rect">
@@ -13266,7 +13266,7 @@
         </p:nvGrpSpPr>
         <p:grpSpPr>
           <a:xfrm>
-            <a:off x="4711397" y="1489529"/>
+            <a:off x="4711398" y="763705"/>
             <a:ext cx="1381383" cy="1900006"/>
             <a:chOff x="4687527" y="978423"/>
             <a:chExt cx="1381383" cy="1900006"/>
@@ -13376,7 +13376,7 @@
         </p:nvGrpSpPr>
         <p:grpSpPr>
           <a:xfrm>
-            <a:off x="6175788" y="1489532"/>
+            <a:off x="6175789" y="763708"/>
             <a:ext cx="1381383" cy="1900004"/>
             <a:chOff x="6151919" y="978424"/>
             <a:chExt cx="1381383" cy="1900005"/>
@@ -13481,7 +13481,7 @@
         </p:nvGrpSpPr>
         <p:grpSpPr>
           <a:xfrm>
-            <a:off x="7669008" y="1489531"/>
+            <a:off x="7669009" y="763707"/>
             <a:ext cx="1381383" cy="1900004"/>
             <a:chOff x="7645140" y="978423"/>
             <a:chExt cx="1381383" cy="1900005"/>
@@ -13591,7 +13591,7 @@
         </p:nvGrpSpPr>
         <p:grpSpPr>
           <a:xfrm>
-            <a:off x="260559" y="1489532"/>
+            <a:off x="260560" y="763709"/>
             <a:ext cx="1381383" cy="1900007"/>
             <a:chOff x="236693" y="978427"/>
             <a:chExt cx="1381383" cy="1900007"/>
@@ -13735,7 +13735,7 @@
         </p:nvGrpSpPr>
         <p:grpSpPr>
           <a:xfrm>
-            <a:off x="3247001" y="1489530"/>
+            <a:off x="3247001" y="763707"/>
             <a:ext cx="1396100" cy="1900007"/>
             <a:chOff x="3223136" y="978422"/>
             <a:chExt cx="1396100" cy="1900007"/>
@@ -13874,7 +13874,7 @@
         </p:nvGrpSpPr>
         <p:grpSpPr>
           <a:xfrm>
-            <a:off x="10597791" y="1489531"/>
+            <a:off x="10597792" y="763707"/>
             <a:ext cx="1381383" cy="1900004"/>
             <a:chOff x="10573923" y="978423"/>
             <a:chExt cx="1381383" cy="1900005"/>
@@ -14013,7 +14013,7 @@
         </p:nvGrpSpPr>
         <p:grpSpPr>
           <a:xfrm>
-            <a:off x="1753783" y="1489531"/>
+            <a:off x="1753784" y="763708"/>
             <a:ext cx="1381383" cy="1900007"/>
             <a:chOff x="1729914" y="978424"/>
             <a:chExt cx="1381383" cy="1900007"/>
@@ -14152,7 +14152,7 @@
         </p:nvGrpSpPr>
         <p:grpSpPr>
           <a:xfrm>
-            <a:off x="9133401" y="1489531"/>
+            <a:off x="9133402" y="763707"/>
             <a:ext cx="1381383" cy="1900004"/>
             <a:chOff x="9109531" y="978423"/>
             <a:chExt cx="1381383" cy="1900005"/>
@@ -14262,7 +14262,7 @@
         </p:nvSpPr>
         <p:spPr>
           <a:xfrm>
-            <a:off x="3460856" y="2342813"/>
+            <a:off x="3460856" y="1616990"/>
             <a:ext cx="6862568" cy="311945"/>
           </a:xfrm>
           <a:prstGeom prst="rect">
@@ -14335,7 +14335,7 @@
         </p:nvSpPr>
         <p:spPr>
           <a:xfrm>
-            <a:off x="3907709" y="2735968"/>
+            <a:off x="3907709" y="2010144"/>
             <a:ext cx="2489756" cy="265928"/>
           </a:xfrm>
           <a:prstGeom prst="rect">
@@ -14408,7 +14408,7 @@
         </p:nvCxnSpPr>
         <p:spPr>
           <a:xfrm flipV="1">
-            <a:off x="1753777" y="1246678"/>
+            <a:off x="1753777" y="520855"/>
             <a:ext cx="0" cy="109839"/>
           </a:xfrm>
           <a:prstGeom prst="line">
@@ -14444,7 +14444,7 @@
         </p:nvCxnSpPr>
         <p:spPr>
           <a:xfrm flipV="1">
-            <a:off x="3241796" y="1246678"/>
+            <a:off x="3241796" y="520855"/>
             <a:ext cx="0" cy="109839"/>
           </a:xfrm>
           <a:prstGeom prst="line">
@@ -14480,7 +14480,7 @@
         </p:nvCxnSpPr>
         <p:spPr>
           <a:xfrm flipV="1">
-            <a:off x="4700315" y="1248220"/>
+            <a:off x="4700315" y="522397"/>
             <a:ext cx="0" cy="109839"/>
           </a:xfrm>
           <a:prstGeom prst="line">
@@ -14516,7 +14516,7 @@
         </p:nvCxnSpPr>
         <p:spPr>
           <a:xfrm flipV="1">
-            <a:off x="6175783" y="1248220"/>
+            <a:off x="6175783" y="522397"/>
             <a:ext cx="0" cy="109839"/>
           </a:xfrm>
           <a:prstGeom prst="line">
@@ -14552,7 +14552,7 @@
         </p:nvCxnSpPr>
         <p:spPr>
           <a:xfrm flipV="1">
-            <a:off x="7667772" y="1248220"/>
+            <a:off x="7667772" y="522397"/>
             <a:ext cx="0" cy="109839"/>
           </a:xfrm>
           <a:prstGeom prst="line">
@@ -14588,7 +14588,7 @@
         </p:nvCxnSpPr>
         <p:spPr>
           <a:xfrm flipV="1">
-            <a:off x="9133396" y="1248220"/>
+            <a:off x="9133396" y="522397"/>
             <a:ext cx="0" cy="109839"/>
           </a:xfrm>
           <a:prstGeom prst="line">
@@ -14631,7 +14631,7 @@
         </p:blipFill>
         <p:spPr>
           <a:xfrm>
-            <a:off x="4157717" y="1949416"/>
+            <a:off x="4157717" y="1223592"/>
             <a:ext cx="473132" cy="267106"/>
           </a:xfrm>
           <a:prstGeom prst="rect">
@@ -14655,7 +14655,7 @@
         </p:nvCxnSpPr>
         <p:spPr>
           <a:xfrm>
-            <a:off x="1753785" y="1241180"/>
+            <a:off x="1753786" y="515356"/>
             <a:ext cx="7379619" cy="0"/>
           </a:xfrm>
           <a:prstGeom prst="line">
@@ -14696,7 +14696,7 @@
         </p:nvCxnSpPr>
         <p:spPr>
           <a:xfrm flipV="1">
-            <a:off x="1753777" y="1246678"/>
+            <a:off x="1753777" y="520855"/>
             <a:ext cx="0" cy="109839"/>
           </a:xfrm>
           <a:prstGeom prst="line">
@@ -14732,7 +14732,7 @@
         </p:nvCxnSpPr>
         <p:spPr>
           <a:xfrm flipV="1">
-            <a:off x="3241796" y="1246678"/>
+            <a:off x="3241796" y="520855"/>
             <a:ext cx="0" cy="109839"/>
           </a:xfrm>
           <a:prstGeom prst="line">
@@ -14768,7 +14768,7 @@
         </p:nvCxnSpPr>
         <p:spPr>
           <a:xfrm flipV="1">
-            <a:off x="4700315" y="1248220"/>
+            <a:off x="4700315" y="522397"/>
             <a:ext cx="0" cy="109839"/>
           </a:xfrm>
           <a:prstGeom prst="line">
@@ -14804,7 +14804,7 @@
         </p:nvCxnSpPr>
         <p:spPr>
           <a:xfrm flipV="1">
-            <a:off x="6175783" y="1248220"/>
+            <a:off x="6175783" y="522397"/>
             <a:ext cx="0" cy="109839"/>
           </a:xfrm>
           <a:prstGeom prst="line">
@@ -14840,7 +14840,7 @@
         </p:nvCxnSpPr>
         <p:spPr>
           <a:xfrm flipV="1">
-            <a:off x="7667772" y="1248220"/>
+            <a:off x="7667772" y="522397"/>
             <a:ext cx="0" cy="109839"/>
           </a:xfrm>
           <a:prstGeom prst="line">
@@ -14876,7 +14876,7 @@
         </p:nvCxnSpPr>
         <p:spPr>
           <a:xfrm flipV="1">
-            <a:off x="9133396" y="1248220"/>
+            <a:off x="9133396" y="522397"/>
             <a:ext cx="0" cy="109839"/>
           </a:xfrm>
           <a:prstGeom prst="line">
@@ -14919,7 +14919,7 @@
         </p:blipFill>
         <p:spPr>
           <a:xfrm>
-            <a:off x="1748578" y="1241184"/>
+            <a:off x="1748578" y="515361"/>
             <a:ext cx="152400" cy="171773"/>
           </a:xfrm>
           <a:prstGeom prst="rect">
@@ -14943,7 +14943,7 @@
         </p:nvCxnSpPr>
         <p:spPr>
           <a:xfrm>
-            <a:off x="1753785" y="1241180"/>
+            <a:off x="1753786" y="515356"/>
             <a:ext cx="7379619" cy="0"/>
           </a:xfrm>
           <a:prstGeom prst="line">
@@ -14984,7 +14984,7 @@
         </p:nvCxnSpPr>
         <p:spPr>
           <a:xfrm flipV="1">
-            <a:off x="1753777" y="1246678"/>
+            <a:off x="1753777" y="520855"/>
             <a:ext cx="0" cy="109839"/>
           </a:xfrm>
           <a:prstGeom prst="line">
@@ -15020,7 +15020,7 @@
         </p:nvCxnSpPr>
         <p:spPr>
           <a:xfrm flipV="1">
-            <a:off x="3241796" y="1246678"/>
+            <a:off x="3241796" y="520855"/>
             <a:ext cx="0" cy="109839"/>
           </a:xfrm>
           <a:prstGeom prst="line">
@@ -15056,7 +15056,7 @@
         </p:nvCxnSpPr>
         <p:spPr>
           <a:xfrm flipV="1">
-            <a:off x="4700315" y="1248220"/>
+            <a:off x="4700315" y="522397"/>
             <a:ext cx="0" cy="109839"/>
           </a:xfrm>
           <a:prstGeom prst="line">
@@ -15092,7 +15092,7 @@
         </p:nvCxnSpPr>
         <p:spPr>
           <a:xfrm flipV="1">
-            <a:off x="6175783" y="1248220"/>
+            <a:off x="6175783" y="522397"/>
             <a:ext cx="0" cy="109839"/>
           </a:xfrm>
           <a:prstGeom prst="line">
@@ -15128,7 +15128,7 @@
         </p:nvCxnSpPr>
         <p:spPr>
           <a:xfrm flipV="1">
-            <a:off x="7667772" y="1248220"/>
+            <a:off x="7667772" y="522397"/>
             <a:ext cx="0" cy="109839"/>
           </a:xfrm>
           <a:prstGeom prst="line">
@@ -15164,7 +15164,7 @@
         </p:nvCxnSpPr>
         <p:spPr>
           <a:xfrm flipV="1">
-            <a:off x="9133396" y="1248220"/>
+            <a:off x="9133396" y="522397"/>
             <a:ext cx="0" cy="109839"/>
           </a:xfrm>
           <a:prstGeom prst="line">
@@ -15207,7 +15207,7 @@
         </p:blipFill>
         <p:spPr>
           <a:xfrm>
-            <a:off x="1596178" y="1241184"/>
+            <a:off x="1596178" y="515361"/>
             <a:ext cx="152400" cy="171773"/>
           </a:xfrm>
           <a:prstGeom prst="rect">
@@ -15236,7 +15236,7 @@
         </p:blipFill>
         <p:spPr>
           <a:xfrm>
-            <a:off x="1783278" y="1250886"/>
+            <a:off x="1783278" y="525063"/>
             <a:ext cx="152400" cy="171773"/>
           </a:xfrm>
           <a:prstGeom prst="rect">
@@ -15265,7 +15265,7 @@
         </p:blipFill>
         <p:spPr>
           <a:xfrm>
-            <a:off x="3271297" y="1241184"/>
+            <a:off x="3271297" y="515361"/>
             <a:ext cx="152400" cy="171773"/>
           </a:xfrm>
           <a:prstGeom prst="rect">
@@ -15294,7 +15294,7 @@
         </p:blipFill>
         <p:spPr>
           <a:xfrm>
-            <a:off x="4707734" y="1241184"/>
+            <a:off x="4707734" y="515361"/>
             <a:ext cx="152400" cy="171773"/>
           </a:xfrm>
           <a:prstGeom prst="rect">
@@ -15323,7 +15323,7 @@
         </p:blipFill>
         <p:spPr>
           <a:xfrm>
-            <a:off x="6187754" y="1241184"/>
+            <a:off x="6187754" y="515361"/>
             <a:ext cx="152400" cy="171773"/>
           </a:xfrm>
           <a:prstGeom prst="rect">
@@ -15352,7 +15352,7 @@
         </p:blipFill>
         <p:spPr>
           <a:xfrm>
-            <a:off x="7684109" y="1241184"/>
+            <a:off x="7684109" y="515361"/>
             <a:ext cx="152400" cy="171773"/>
           </a:xfrm>
           <a:prstGeom prst="rect">
@@ -15381,7 +15381,7 @@
         </p:blipFill>
         <p:spPr>
           <a:xfrm>
-            <a:off x="8964661" y="1241184"/>
+            <a:off x="8964661" y="515361"/>
             <a:ext cx="152400" cy="171773"/>
           </a:xfrm>
           <a:prstGeom prst="rect">
@@ -15410,7 +15410,7 @@
         </p:blipFill>
         <p:spPr>
           <a:xfrm>
-            <a:off x="9162896" y="1241183"/>
+            <a:off x="9162896" y="515360"/>
             <a:ext cx="152400" cy="171773"/>
           </a:xfrm>
           <a:prstGeom prst="rect">
@@ -15434,7 +15434,7 @@
         </p:nvCxnSpPr>
         <p:spPr>
           <a:xfrm flipV="1">
-            <a:off x="9115518" y="1241184"/>
+            <a:off x="9115518" y="515361"/>
             <a:ext cx="0" cy="2148357"/>
           </a:xfrm>
           <a:prstGeom prst="line">
@@ -15476,7 +15476,7 @@
         </p:nvSpPr>
         <p:spPr>
           <a:xfrm>
-            <a:off x="1768533" y="3447678"/>
+            <a:off x="1768533" y="2721854"/>
             <a:ext cx="1381380" cy="407676"/>
           </a:xfrm>
           <a:prstGeom prst="rect">
@@ -15545,7 +15545,7 @@
         </p:nvCxnSpPr>
         <p:spPr>
           <a:xfrm flipH="1" flipV="1">
-            <a:off x="1760132" y="1365570"/>
+            <a:off x="1760132" y="639746"/>
             <a:ext cx="23146" cy="2489784"/>
           </a:xfrm>
           <a:prstGeom prst="line">
@@ -15589,7 +15589,7 @@
         </p:nvCxnSpPr>
         <p:spPr>
           <a:xfrm flipH="1" flipV="1">
-            <a:off x="3234522" y="1327075"/>
+            <a:off x="3234522" y="601251"/>
             <a:ext cx="26202" cy="3554122"/>
           </a:xfrm>
           <a:prstGeom prst="line">
@@ -15631,7 +15631,7 @@
         </p:nvSpPr>
         <p:spPr>
           <a:xfrm>
-            <a:off x="3287161" y="4413247"/>
+            <a:off x="3287162" y="3687423"/>
             <a:ext cx="1381383" cy="407676"/>
           </a:xfrm>
           <a:prstGeom prst="rect">
@@ -15690,7 +15690,7 @@
         </p:nvSpPr>
         <p:spPr>
           <a:xfrm>
-            <a:off x="3287161" y="4892427"/>
+            <a:off x="3287162" y="4166603"/>
             <a:ext cx="1381383" cy="407676"/>
           </a:xfrm>
           <a:prstGeom prst="rect">
@@ -15749,7 +15749,7 @@
         </p:nvSpPr>
         <p:spPr>
           <a:xfrm>
-            <a:off x="1716509" y="946179"/>
+            <a:off x="1716509" y="220355"/>
             <a:ext cx="670376" cy="369204"/>
           </a:xfrm>
           <a:prstGeom prst="rect">
@@ -15785,7 +15785,7 @@
         </p:nvSpPr>
         <p:spPr>
           <a:xfrm>
-            <a:off x="6918270" y="961129"/>
+            <a:off x="6918270" y="235305"/>
             <a:ext cx="670376" cy="369204"/>
           </a:xfrm>
           <a:prstGeom prst="rect">
@@ -15821,7 +15821,7 @@
         </p:nvSpPr>
         <p:spPr>
           <a:xfrm>
-            <a:off x="6242947" y="6143763"/>
+            <a:off x="6242948" y="5417939"/>
             <a:ext cx="1381383" cy="407676"/>
           </a:xfrm>
           <a:prstGeom prst="rect">
@@ -15882,7 +15882,7 @@
         </p:nvCxnSpPr>
         <p:spPr>
           <a:xfrm flipH="1" flipV="1">
-            <a:off x="9118812" y="1475982"/>
+            <a:off x="9118813" y="750159"/>
             <a:ext cx="12281" cy="5992203"/>
           </a:xfrm>
           <a:prstGeom prst="line">
@@ -15924,7 +15924,7 @@
         </p:nvSpPr>
         <p:spPr>
           <a:xfrm>
-            <a:off x="9171830" y="7060509"/>
+            <a:off x="9171830" y="6334685"/>
             <a:ext cx="1583676" cy="407676"/>
           </a:xfrm>
           <a:prstGeom prst="rect">
@@ -15991,7 +15991,7 @@
         </p:nvSpPr>
         <p:spPr>
           <a:xfrm>
-            <a:off x="3283712" y="3955020"/>
+            <a:off x="3283713" y="3229196"/>
             <a:ext cx="1381383" cy="407676"/>
           </a:xfrm>
           <a:prstGeom prst="rect">
@@ -16058,7 +16058,7 @@
         </p:nvSpPr>
         <p:spPr>
           <a:xfrm>
-            <a:off x="4724695" y="5297265"/>
+            <a:off x="4724696" y="4571441"/>
             <a:ext cx="1381383" cy="407676"/>
           </a:xfrm>
           <a:prstGeom prst="rect">
@@ -16125,7 +16125,7 @@
         </p:nvSpPr>
         <p:spPr>
           <a:xfrm>
-            <a:off x="6227582" y="5732522"/>
+            <a:off x="6227583" y="5006698"/>
             <a:ext cx="1381383" cy="407676"/>
           </a:xfrm>
           <a:prstGeom prst="rect">
@@ -16192,7 +16192,7 @@
         </p:nvSpPr>
         <p:spPr>
           <a:xfrm>
-            <a:off x="7692188" y="6527765"/>
+            <a:off x="7692189" y="5801941"/>
             <a:ext cx="1381383" cy="407676"/>
           </a:xfrm>
           <a:prstGeom prst="rect">
@@ -16261,7 +16261,7 @@
         </p:nvCxnSpPr>
         <p:spPr>
           <a:xfrm flipV="1">
-            <a:off x="7674092" y="1315383"/>
+            <a:off x="7674093" y="589560"/>
             <a:ext cx="1" cy="5595143"/>
           </a:xfrm>
           <a:prstGeom prst="line">
@@ -16306,7 +16306,7 @@
         </p:nvCxnSpPr>
         <p:spPr>
           <a:xfrm flipH="1" flipV="1">
-            <a:off x="6187754" y="1327071"/>
+            <a:off x="6187754" y="601247"/>
             <a:ext cx="54542" cy="5224370"/>
           </a:xfrm>
           <a:prstGeom prst="line">
@@ -16350,7 +16350,7 @@
         </p:nvCxnSpPr>
         <p:spPr>
           <a:xfrm flipH="1" flipV="1">
-            <a:off x="4705319" y="1226784"/>
+            <a:off x="4705319" y="500960"/>
             <a:ext cx="33214" cy="4505738"/>
           </a:xfrm>
           <a:prstGeom prst="line">
@@ -16392,7 +16392,7 @@
         </p:nvSpPr>
         <p:spPr>
           <a:xfrm>
-            <a:off x="3249995" y="7993886"/>
+            <a:off x="3249995" y="7268063"/>
             <a:ext cx="2246238" cy="592853"/>
           </a:xfrm>
           <a:prstGeom prst="ellipse">
@@ -16482,7 +16482,7 @@
         </p:nvSpPr>
         <p:spPr>
           <a:xfrm>
-            <a:off x="237679" y="5394757"/>
+            <a:off x="237680" y="4711964"/>
             <a:ext cx="4619745" cy="3293209"/>
           </a:xfrm>
           <a:prstGeom prst="rect">
@@ -16685,7 +16685,7 @@
         </p:nvGrpSpPr>
         <p:grpSpPr>
           <a:xfrm>
-            <a:off x="4711397" y="1489529"/>
+            <a:off x="4711398" y="806735"/>
             <a:ext cx="1381383" cy="1900006"/>
             <a:chOff x="4687527" y="978423"/>
             <a:chExt cx="1381383" cy="1900006"/>
@@ -16795,7 +16795,7 @@
         </p:nvGrpSpPr>
         <p:grpSpPr>
           <a:xfrm>
-            <a:off x="6175788" y="1489532"/>
+            <a:off x="6175789" y="806738"/>
             <a:ext cx="1381383" cy="1900004"/>
             <a:chOff x="6151919" y="978424"/>
             <a:chExt cx="1381383" cy="1900005"/>
@@ -16900,7 +16900,7 @@
         </p:nvGrpSpPr>
         <p:grpSpPr>
           <a:xfrm>
-            <a:off x="7669008" y="1489531"/>
+            <a:off x="7669009" y="806737"/>
             <a:ext cx="1381383" cy="1900004"/>
             <a:chOff x="7645140" y="978423"/>
             <a:chExt cx="1381383" cy="1900005"/>
@@ -17010,7 +17010,7 @@
         </p:nvGrpSpPr>
         <p:grpSpPr>
           <a:xfrm>
-            <a:off x="260559" y="1489532"/>
+            <a:off x="260560" y="806739"/>
             <a:ext cx="1381383" cy="1900007"/>
             <a:chOff x="236693" y="978427"/>
             <a:chExt cx="1381383" cy="1900007"/>
@@ -17154,7 +17154,7 @@
         </p:nvGrpSpPr>
         <p:grpSpPr>
           <a:xfrm>
-            <a:off x="3247001" y="1489530"/>
+            <a:off x="3247001" y="806737"/>
             <a:ext cx="1396100" cy="1900007"/>
             <a:chOff x="3223136" y="978422"/>
             <a:chExt cx="1396100" cy="1900007"/>
@@ -17293,7 +17293,7 @@
         </p:nvGrpSpPr>
         <p:grpSpPr>
           <a:xfrm>
-            <a:off x="10597791" y="1489531"/>
+            <a:off x="10597792" y="806737"/>
             <a:ext cx="1381383" cy="1900004"/>
             <a:chOff x="10573923" y="978423"/>
             <a:chExt cx="1381383" cy="1900005"/>
@@ -17432,7 +17432,7 @@
         </p:nvGrpSpPr>
         <p:grpSpPr>
           <a:xfrm>
-            <a:off x="1753783" y="1489531"/>
+            <a:off x="1753784" y="806738"/>
             <a:ext cx="1381383" cy="1900007"/>
             <a:chOff x="1729914" y="978424"/>
             <a:chExt cx="1381383" cy="1900007"/>
@@ -17571,7 +17571,7 @@
         </p:nvGrpSpPr>
         <p:grpSpPr>
           <a:xfrm>
-            <a:off x="9133401" y="1489531"/>
+            <a:off x="9133402" y="806737"/>
             <a:ext cx="1381383" cy="1900004"/>
             <a:chOff x="9109531" y="978423"/>
             <a:chExt cx="1381383" cy="1900005"/>
@@ -17681,7 +17681,7 @@
         </p:nvSpPr>
         <p:spPr>
           <a:xfrm>
-            <a:off x="3460856" y="2342813"/>
+            <a:off x="3460856" y="1660020"/>
             <a:ext cx="6862568" cy="311945"/>
           </a:xfrm>
           <a:prstGeom prst="rect">
@@ -17754,7 +17754,7 @@
         </p:nvSpPr>
         <p:spPr>
           <a:xfrm>
-            <a:off x="3907709" y="2735968"/>
+            <a:off x="3907709" y="2053174"/>
             <a:ext cx="2489756" cy="265928"/>
           </a:xfrm>
           <a:prstGeom prst="rect">
@@ -17827,7 +17827,7 @@
         </p:nvCxnSpPr>
         <p:spPr>
           <a:xfrm flipV="1">
-            <a:off x="1753777" y="1246678"/>
+            <a:off x="1753777" y="563885"/>
             <a:ext cx="0" cy="109839"/>
           </a:xfrm>
           <a:prstGeom prst="line">
@@ -17863,7 +17863,7 @@
         </p:nvCxnSpPr>
         <p:spPr>
           <a:xfrm flipV="1">
-            <a:off x="3241796" y="1246678"/>
+            <a:off x="3241796" y="563885"/>
             <a:ext cx="0" cy="109839"/>
           </a:xfrm>
           <a:prstGeom prst="line">
@@ -17899,7 +17899,7 @@
         </p:nvCxnSpPr>
         <p:spPr>
           <a:xfrm flipV="1">
-            <a:off x="4700315" y="1248220"/>
+            <a:off x="4700315" y="565427"/>
             <a:ext cx="0" cy="109839"/>
           </a:xfrm>
           <a:prstGeom prst="line">
@@ -17935,7 +17935,7 @@
         </p:nvCxnSpPr>
         <p:spPr>
           <a:xfrm flipV="1">
-            <a:off x="6175783" y="1248220"/>
+            <a:off x="6175783" y="565427"/>
             <a:ext cx="0" cy="109839"/>
           </a:xfrm>
           <a:prstGeom prst="line">
@@ -17971,7 +17971,7 @@
         </p:nvCxnSpPr>
         <p:spPr>
           <a:xfrm flipV="1">
-            <a:off x="7667772" y="1248220"/>
+            <a:off x="7667772" y="565427"/>
             <a:ext cx="0" cy="109839"/>
           </a:xfrm>
           <a:prstGeom prst="line">
@@ -18007,7 +18007,7 @@
         </p:nvCxnSpPr>
         <p:spPr>
           <a:xfrm flipV="1">
-            <a:off x="9133396" y="1248220"/>
+            <a:off x="9133396" y="565427"/>
             <a:ext cx="0" cy="109839"/>
           </a:xfrm>
           <a:prstGeom prst="line">
@@ -18050,7 +18050,7 @@
         </p:blipFill>
         <p:spPr>
           <a:xfrm>
-            <a:off x="4157717" y="1949416"/>
+            <a:off x="4157717" y="1266622"/>
             <a:ext cx="473132" cy="267106"/>
           </a:xfrm>
           <a:prstGeom prst="rect">
@@ -18074,7 +18074,7 @@
         </p:nvCxnSpPr>
         <p:spPr>
           <a:xfrm>
-            <a:off x="1753785" y="1241180"/>
+            <a:off x="1753786" y="558386"/>
             <a:ext cx="7379619" cy="0"/>
           </a:xfrm>
           <a:prstGeom prst="line">
@@ -18115,7 +18115,7 @@
         </p:nvCxnSpPr>
         <p:spPr>
           <a:xfrm flipV="1">
-            <a:off x="1753777" y="1246678"/>
+            <a:off x="1753777" y="563885"/>
             <a:ext cx="0" cy="109839"/>
           </a:xfrm>
           <a:prstGeom prst="line">
@@ -18151,7 +18151,7 @@
         </p:nvCxnSpPr>
         <p:spPr>
           <a:xfrm flipV="1">
-            <a:off x="3241796" y="1246678"/>
+            <a:off x="3241796" y="563885"/>
             <a:ext cx="0" cy="109839"/>
           </a:xfrm>
           <a:prstGeom prst="line">
@@ -18187,7 +18187,7 @@
         </p:nvCxnSpPr>
         <p:spPr>
           <a:xfrm flipV="1">
-            <a:off x="4700315" y="1248220"/>
+            <a:off x="4700315" y="565427"/>
             <a:ext cx="0" cy="109839"/>
           </a:xfrm>
           <a:prstGeom prst="line">
@@ -18223,7 +18223,7 @@
         </p:nvCxnSpPr>
         <p:spPr>
           <a:xfrm flipV="1">
-            <a:off x="6175783" y="1248220"/>
+            <a:off x="6175783" y="565427"/>
             <a:ext cx="0" cy="109839"/>
           </a:xfrm>
           <a:prstGeom prst="line">
@@ -18259,7 +18259,7 @@
         </p:nvCxnSpPr>
         <p:spPr>
           <a:xfrm flipV="1">
-            <a:off x="7667772" y="1248220"/>
+            <a:off x="7667772" y="565427"/>
             <a:ext cx="0" cy="109839"/>
           </a:xfrm>
           <a:prstGeom prst="line">
@@ -18295,7 +18295,7 @@
         </p:nvCxnSpPr>
         <p:spPr>
           <a:xfrm flipV="1">
-            <a:off x="9133396" y="1248220"/>
+            <a:off x="9133396" y="565427"/>
             <a:ext cx="0" cy="109839"/>
           </a:xfrm>
           <a:prstGeom prst="line">
@@ -18338,7 +18338,7 @@
         </p:blipFill>
         <p:spPr>
           <a:xfrm>
-            <a:off x="1748578" y="1241184"/>
+            <a:off x="1748578" y="558391"/>
             <a:ext cx="152400" cy="171773"/>
           </a:xfrm>
           <a:prstGeom prst="rect">
@@ -18362,7 +18362,7 @@
         </p:nvCxnSpPr>
         <p:spPr>
           <a:xfrm>
-            <a:off x="1753785" y="1241180"/>
+            <a:off x="1753786" y="558386"/>
             <a:ext cx="7379619" cy="0"/>
           </a:xfrm>
           <a:prstGeom prst="line">
@@ -18403,7 +18403,7 @@
         </p:nvCxnSpPr>
         <p:spPr>
           <a:xfrm flipV="1">
-            <a:off x="1753777" y="1246678"/>
+            <a:off x="1753777" y="563885"/>
             <a:ext cx="0" cy="109839"/>
           </a:xfrm>
           <a:prstGeom prst="line">
@@ -18439,7 +18439,7 @@
         </p:nvCxnSpPr>
         <p:spPr>
           <a:xfrm flipV="1">
-            <a:off x="3241796" y="1246678"/>
+            <a:off x="3241796" y="563885"/>
             <a:ext cx="0" cy="109839"/>
           </a:xfrm>
           <a:prstGeom prst="line">
@@ -18475,7 +18475,7 @@
         </p:nvCxnSpPr>
         <p:spPr>
           <a:xfrm flipV="1">
-            <a:off x="4700315" y="1248220"/>
+            <a:off x="4700315" y="565427"/>
             <a:ext cx="0" cy="109839"/>
           </a:xfrm>
           <a:prstGeom prst="line">
@@ -18511,7 +18511,7 @@
         </p:nvCxnSpPr>
         <p:spPr>
           <a:xfrm flipV="1">
-            <a:off x="6175783" y="1248220"/>
+            <a:off x="6175783" y="565427"/>
             <a:ext cx="0" cy="109839"/>
           </a:xfrm>
           <a:prstGeom prst="line">
@@ -18547,7 +18547,7 @@
         </p:nvCxnSpPr>
         <p:spPr>
           <a:xfrm flipV="1">
-            <a:off x="7667772" y="1248220"/>
+            <a:off x="7667772" y="565427"/>
             <a:ext cx="0" cy="109839"/>
           </a:xfrm>
           <a:prstGeom prst="line">
@@ -18583,7 +18583,7 @@
         </p:nvCxnSpPr>
         <p:spPr>
           <a:xfrm flipV="1">
-            <a:off x="9133396" y="1248220"/>
+            <a:off x="9133396" y="565427"/>
             <a:ext cx="0" cy="109839"/>
           </a:xfrm>
           <a:prstGeom prst="line">
@@ -18626,7 +18626,7 @@
         </p:blipFill>
         <p:spPr>
           <a:xfrm>
-            <a:off x="1596178" y="1241184"/>
+            <a:off x="1596178" y="558391"/>
             <a:ext cx="152400" cy="171773"/>
           </a:xfrm>
           <a:prstGeom prst="rect">
@@ -18655,7 +18655,7 @@
         </p:blipFill>
         <p:spPr>
           <a:xfrm>
-            <a:off x="1783278" y="1250886"/>
+            <a:off x="1783278" y="568093"/>
             <a:ext cx="152400" cy="171773"/>
           </a:xfrm>
           <a:prstGeom prst="rect">
@@ -18684,7 +18684,7 @@
         </p:blipFill>
         <p:spPr>
           <a:xfrm>
-            <a:off x="3271297" y="1241184"/>
+            <a:off x="3271297" y="558391"/>
             <a:ext cx="152400" cy="171773"/>
           </a:xfrm>
           <a:prstGeom prst="rect">
@@ -18713,7 +18713,7 @@
         </p:blipFill>
         <p:spPr>
           <a:xfrm>
-            <a:off x="4707734" y="1241184"/>
+            <a:off x="4707734" y="558391"/>
             <a:ext cx="152400" cy="171773"/>
           </a:xfrm>
           <a:prstGeom prst="rect">
@@ -18742,7 +18742,7 @@
         </p:blipFill>
         <p:spPr>
           <a:xfrm>
-            <a:off x="6187754" y="1241184"/>
+            <a:off x="6187754" y="558391"/>
             <a:ext cx="152400" cy="171773"/>
           </a:xfrm>
           <a:prstGeom prst="rect">
@@ -18771,7 +18771,7 @@
         </p:blipFill>
         <p:spPr>
           <a:xfrm>
-            <a:off x="7684109" y="1241184"/>
+            <a:off x="7684109" y="558391"/>
             <a:ext cx="152400" cy="171773"/>
           </a:xfrm>
           <a:prstGeom prst="rect">
@@ -18800,7 +18800,7 @@
         </p:blipFill>
         <p:spPr>
           <a:xfrm>
-            <a:off x="8964661" y="1241184"/>
+            <a:off x="8964661" y="558391"/>
             <a:ext cx="152400" cy="171773"/>
           </a:xfrm>
           <a:prstGeom prst="rect">
@@ -18829,7 +18829,7 @@
         </p:blipFill>
         <p:spPr>
           <a:xfrm>
-            <a:off x="9162896" y="1241183"/>
+            <a:off x="9162896" y="558390"/>
             <a:ext cx="152400" cy="171773"/>
           </a:xfrm>
           <a:prstGeom prst="rect">
@@ -18853,7 +18853,7 @@
         </p:nvCxnSpPr>
         <p:spPr>
           <a:xfrm flipV="1">
-            <a:off x="9115518" y="1241184"/>
+            <a:off x="9115518" y="558391"/>
             <a:ext cx="0" cy="2148357"/>
           </a:xfrm>
           <a:prstGeom prst="line">
@@ -18895,7 +18895,7 @@
         </p:nvSpPr>
         <p:spPr>
           <a:xfrm>
-            <a:off x="1768533" y="3447678"/>
+            <a:off x="1768533" y="2764884"/>
             <a:ext cx="1381380" cy="407676"/>
           </a:xfrm>
           <a:prstGeom prst="rect">
@@ -18964,7 +18964,7 @@
         </p:nvCxnSpPr>
         <p:spPr>
           <a:xfrm flipH="1" flipV="1">
-            <a:off x="1760132" y="1365570"/>
+            <a:off x="1760132" y="682776"/>
             <a:ext cx="23146" cy="2489784"/>
           </a:xfrm>
           <a:prstGeom prst="line">
@@ -19008,7 +19008,7 @@
         </p:nvCxnSpPr>
         <p:spPr>
           <a:xfrm flipH="1" flipV="1">
-            <a:off x="3234522" y="1327075"/>
+            <a:off x="3234523" y="644282"/>
             <a:ext cx="32847" cy="3970189"/>
           </a:xfrm>
           <a:prstGeom prst="line">
@@ -19050,7 +19050,7 @@
         </p:nvSpPr>
         <p:spPr>
           <a:xfrm>
-            <a:off x="3301150" y="4400889"/>
+            <a:off x="3301151" y="3718095"/>
             <a:ext cx="1381383" cy="407676"/>
           </a:xfrm>
           <a:prstGeom prst="rect">
@@ -19109,7 +19109,7 @@
         </p:nvSpPr>
         <p:spPr>
           <a:xfrm>
-            <a:off x="3287161" y="4849509"/>
+            <a:off x="3287162" y="4166715"/>
             <a:ext cx="1381383" cy="407676"/>
           </a:xfrm>
           <a:prstGeom prst="rect">
@@ -19168,7 +19168,7 @@
         </p:nvSpPr>
         <p:spPr>
           <a:xfrm>
-            <a:off x="1716509" y="946179"/>
+            <a:off x="1716509" y="263385"/>
             <a:ext cx="670376" cy="369204"/>
           </a:xfrm>
           <a:prstGeom prst="rect">
@@ -19204,7 +19204,7 @@
         </p:nvSpPr>
         <p:spPr>
           <a:xfrm>
-            <a:off x="6918270" y="961129"/>
+            <a:off x="6918270" y="278335"/>
             <a:ext cx="670376" cy="369204"/>
           </a:xfrm>
           <a:prstGeom prst="rect">
@@ -19242,7 +19242,7 @@
         </p:nvCxnSpPr>
         <p:spPr>
           <a:xfrm flipH="1" flipV="1">
-            <a:off x="6191153" y="1377083"/>
+            <a:off x="6191154" y="694290"/>
             <a:ext cx="32289" cy="5085063"/>
           </a:xfrm>
           <a:prstGeom prst="line">
@@ -19284,7 +19284,7 @@
         </p:nvSpPr>
         <p:spPr>
           <a:xfrm>
-            <a:off x="6227578" y="6054470"/>
+            <a:off x="6227579" y="5371676"/>
             <a:ext cx="1381383" cy="407676"/>
           </a:xfrm>
           <a:prstGeom prst="rect">
@@ -19345,7 +19345,7 @@
         </p:nvCxnSpPr>
         <p:spPr>
           <a:xfrm flipV="1">
-            <a:off x="9097636" y="1475982"/>
+            <a:off x="9097636" y="793189"/>
             <a:ext cx="21176" cy="5721287"/>
           </a:xfrm>
           <a:prstGeom prst="line">
@@ -19387,7 +19387,7 @@
         </p:nvSpPr>
         <p:spPr>
           <a:xfrm>
-            <a:off x="9133396" y="6864207"/>
+            <a:off x="9133396" y="6181413"/>
             <a:ext cx="1583676" cy="407676"/>
           </a:xfrm>
           <a:prstGeom prst="rect">
@@ -19454,7 +19454,7 @@
         </p:nvSpPr>
         <p:spPr>
           <a:xfrm>
-            <a:off x="3283712" y="3979499"/>
+            <a:off x="3283713" y="3296705"/>
             <a:ext cx="1381383" cy="407676"/>
           </a:xfrm>
           <a:prstGeom prst="rect">
@@ -19521,7 +19521,7 @@
         </p:nvSpPr>
         <p:spPr>
           <a:xfrm>
-            <a:off x="4718432" y="5394757"/>
+            <a:off x="4718433" y="4711963"/>
             <a:ext cx="1381383" cy="407676"/>
           </a:xfrm>
           <a:prstGeom prst="rect">
@@ -19590,7 +19590,7 @@
         </p:nvCxnSpPr>
         <p:spPr>
           <a:xfrm flipH="1" flipV="1">
-            <a:off x="4718433" y="1249040"/>
+            <a:off x="4718434" y="566247"/>
             <a:ext cx="29669" cy="4553393"/>
           </a:xfrm>
           <a:prstGeom prst="line">
@@ -19634,7 +19634,7 @@
         </p:nvSpPr>
         <p:spPr bwMode="auto">
           <a:xfrm>
-            <a:off x="0" y="-17621"/>
+            <a:off x="1" y="-700414"/>
             <a:ext cx="65" cy="492443"/>
           </a:xfrm>
           <a:prstGeom prst="rect">
@@ -19805,43 +19805,11 @@
             </a:lvl9pPr>
           </a:lstStyle>
           <a:p>
-            <a:pPr marL="0" marR="0" lvl="0" indent="0" algn="l" defTabSz="914400" rtl="0" eaLnBrk="0" fontAlgn="base" latinLnBrk="0" hangingPunct="0">
-              <a:lnSpc>
-                <a:spcPct val="100000"/>
-              </a:lnSpc>
-              <a:spcBef>
-                <a:spcPct val="0"/>
-              </a:spcBef>
-              <a:spcAft>
-                <a:spcPct val="0"/>
-              </a:spcAft>
-              <a:buClrTx/>
-              <a:buSzTx/>
-              <a:buFontTx/>
-              <a:buNone/>
-              <a:tabLst/>
-            </a:pPr>
+            <a:pPr defTabSz="914400"/>
             <a:br>
-              <a:rPr kumimoji="0" lang="es-ES" altLang="es-ES" sz="1400" b="0" i="0" u="none" strike="noStrike" cap="none" normalizeH="0" baseline="0" dirty="0">
-                <a:ln>
-                  <a:noFill/>
-                </a:ln>
-                <a:solidFill>
-                  <a:schemeClr val="tx1"/>
-                </a:solidFill>
-                <a:effectLst/>
-              </a:rPr>
+              <a:rPr lang="es-ES" altLang="es-ES" sz="1400" dirty="0"/>
             </a:br>
-            <a:endParaRPr kumimoji="0" lang="es-ES" altLang="es-ES" sz="1800" b="0" i="0" u="none" strike="noStrike" cap="none" normalizeH="0" baseline="0" dirty="0">
-              <a:ln>
-                <a:noFill/>
-              </a:ln>
-              <a:solidFill>
-                <a:schemeClr val="tx1"/>
-              </a:solidFill>
-              <a:effectLst/>
-              <a:latin typeface="Arial" panose="020B0604020202020204" pitchFamily="34" charset="0"/>
-            </a:endParaRPr>
+            <a:endParaRPr lang="es-ES" altLang="es-ES" dirty="0"/>
           </a:p>
         </p:txBody>
       </p:sp>
@@ -19859,7 +19827,7 @@
         </p:nvSpPr>
         <p:spPr>
           <a:xfrm>
-            <a:off x="3249995" y="7993886"/>
+            <a:off x="3249995" y="7311093"/>
             <a:ext cx="2246238" cy="592853"/>
           </a:xfrm>
           <a:prstGeom prst="ellipse">
